--- a/week_3/hw/HW3_Eng.pptx
+++ b/week_3/hw/HW3_Eng.pptx
@@ -2,19 +2,19 @@
 <file path=ppt/presentation.xml><?xml version="1.0" encoding="utf-8"?>
 <p:presentation xmlns:a="http://schemas.openxmlformats.org/drawingml/2006/main" xmlns:r="http://schemas.openxmlformats.org/officeDocument/2006/relationships" xmlns:p="http://schemas.openxmlformats.org/presentationml/2006/main">
   <p:sldMasterIdLst>
-    <p:sldMasterId id="2147483648" r:id="rId5"/>
+    <p:sldMasterId id="2147483648" r:id="rId1"/>
   </p:sldMasterIdLst>
   <p:notesMasterIdLst>
     <p:notesMasterId r:id="rId7"/>
   </p:notesMasterIdLst>
   <p:sldIdLst>
-    <p:sldId id="256" r:id="rId8"/>
-    <p:sldId id="257" r:id="rId9"/>
-    <p:sldId id="258" r:id="rId10"/>
-    <p:sldId id="259" r:id="rId11"/>
-    <p:sldId id="260" r:id="rId12"/>
+    <p:sldId id="256" r:id="rId2"/>
+    <p:sldId id="257" r:id="rId3"/>
+    <p:sldId id="258" r:id="rId4"/>
+    <p:sldId id="259" r:id="rId5"/>
+    <p:sldId id="260" r:id="rId6"/>
   </p:sldIdLst>
-  <p:sldSz cx="9144000" cy="6858000"/>
+  <p:sldSz cx="9144000" cy="6858000" type="screen4x3"/>
   <p:notesSz cx="6858000" cy="9144000"/>
   <p:defaultTextStyle>
     <a:defPPr marL="0" marR="0" indent="0" algn="l" defTabSz="914400" rtl="0" fontAlgn="auto" latinLnBrk="1" hangingPunct="0">
@@ -32,7 +32,7 @@
       <a:buFontTx/>
       <a:buNone/>
       <a:tabLst/>
-      <a:defRPr b="0" baseline="0" cap="none" i="0" spc="0" strike="noStrike" sz="1800" u="none" kumimoji="0" normalizeH="0">
+      <a:defRPr kumimoji="0" sz="1800" b="0" i="0" u="none" strike="noStrike" cap="none" spc="0" normalizeH="0" baseline="0">
         <a:ln>
           <a:noFill/>
         </a:ln>
@@ -58,7 +58,7 @@
       <a:buFontTx/>
       <a:buNone/>
       <a:tabLst/>
-      <a:defRPr b="0" baseline="0" cap="none" i="0" spc="0" strike="noStrike" sz="1800" u="none" kumimoji="0" normalizeH="0">
+      <a:defRPr kumimoji="0" sz="1800" b="0" i="0" u="none" strike="noStrike" cap="none" spc="0" normalizeH="0" baseline="0">
         <a:ln>
           <a:noFill/>
         </a:ln>
@@ -88,7 +88,7 @@
       <a:buFontTx/>
       <a:buNone/>
       <a:tabLst/>
-      <a:defRPr b="0" baseline="0" cap="none" i="0" spc="0" strike="noStrike" sz="1800" u="none" kumimoji="0" normalizeH="0">
+      <a:defRPr kumimoji="0" sz="1800" b="0" i="0" u="none" strike="noStrike" cap="none" spc="0" normalizeH="0" baseline="0">
         <a:ln>
           <a:noFill/>
         </a:ln>
@@ -118,7 +118,7 @@
       <a:buFontTx/>
       <a:buNone/>
       <a:tabLst/>
-      <a:defRPr b="0" baseline="0" cap="none" i="0" spc="0" strike="noStrike" sz="1800" u="none" kumimoji="0" normalizeH="0">
+      <a:defRPr kumimoji="0" sz="1800" b="0" i="0" u="none" strike="noStrike" cap="none" spc="0" normalizeH="0" baseline="0">
         <a:ln>
           <a:noFill/>
         </a:ln>
@@ -148,7 +148,7 @@
       <a:buFontTx/>
       <a:buNone/>
       <a:tabLst/>
-      <a:defRPr b="0" baseline="0" cap="none" i="0" spc="0" strike="noStrike" sz="1800" u="none" kumimoji="0" normalizeH="0">
+      <a:defRPr kumimoji="0" sz="1800" b="0" i="0" u="none" strike="noStrike" cap="none" spc="0" normalizeH="0" baseline="0">
         <a:ln>
           <a:noFill/>
         </a:ln>
@@ -178,7 +178,7 @@
       <a:buFontTx/>
       <a:buNone/>
       <a:tabLst/>
-      <a:defRPr b="0" baseline="0" cap="none" i="0" spc="0" strike="noStrike" sz="1800" u="none" kumimoji="0" normalizeH="0">
+      <a:defRPr kumimoji="0" sz="1800" b="0" i="0" u="none" strike="noStrike" cap="none" spc="0" normalizeH="0" baseline="0">
         <a:ln>
           <a:noFill/>
         </a:ln>
@@ -208,7 +208,7 @@
       <a:buFontTx/>
       <a:buNone/>
       <a:tabLst/>
-      <a:defRPr b="0" baseline="0" cap="none" i="0" spc="0" strike="noStrike" sz="1800" u="none" kumimoji="0" normalizeH="0">
+      <a:defRPr kumimoji="0" sz="1800" b="0" i="0" u="none" strike="noStrike" cap="none" spc="0" normalizeH="0" baseline="0">
         <a:ln>
           <a:noFill/>
         </a:ln>
@@ -238,7 +238,7 @@
       <a:buFontTx/>
       <a:buNone/>
       <a:tabLst/>
-      <a:defRPr b="0" baseline="0" cap="none" i="0" spc="0" strike="noStrike" sz="1800" u="none" kumimoji="0" normalizeH="0">
+      <a:defRPr kumimoji="0" sz="1800" b="0" i="0" u="none" strike="noStrike" cap="none" spc="0" normalizeH="0" baseline="0">
         <a:ln>
           <a:noFill/>
         </a:ln>
@@ -268,7 +268,7 @@
       <a:buFontTx/>
       <a:buNone/>
       <a:tabLst/>
-      <a:defRPr b="0" baseline="0" cap="none" i="0" spc="0" strike="noStrike" sz="1800" u="none" kumimoji="0" normalizeH="0">
+      <a:defRPr kumimoji="0" sz="1800" b="0" i="0" u="none" strike="noStrike" cap="none" spc="0" normalizeH="0" baseline="0">
         <a:ln>
           <a:noFill/>
         </a:ln>
@@ -298,7 +298,7 @@
       <a:buFontTx/>
       <a:buNone/>
       <a:tabLst/>
-      <a:defRPr b="0" baseline="0" cap="none" i="0" spc="0" strike="noStrike" sz="1800" u="none" kumimoji="0" normalizeH="0">
+      <a:defRPr kumimoji="0" sz="1800" b="0" i="0" u="none" strike="noStrike" cap="none" spc="0" normalizeH="0" baseline="0">
         <a:ln>
           <a:noFill/>
         </a:ln>
@@ -317,13 +317,14 @@
 </p:presentation>
 </file>
 
-<file path=ppt/commentAuthors.xml><?xml version="1.0" encoding="utf-8"?>
-<p:cmAuthorLst xmlns:a="http://schemas.openxmlformats.org/drawingml/2006/main" xmlns:r="http://schemas.openxmlformats.org/officeDocument/2006/relationships" xmlns:p="http://schemas.openxmlformats.org/presentationml/2006/main"/>
-</file>
-
 <file path=ppt/notesMasters/notesMaster1.xml><?xml version="1.0" encoding="utf-8"?>
 <p:notesMaster xmlns:a="http://schemas.openxmlformats.org/drawingml/2006/main" xmlns:r="http://schemas.openxmlformats.org/officeDocument/2006/relationships" xmlns:p="http://schemas.openxmlformats.org/presentationml/2006/main">
   <p:cSld>
+    <p:bg>
+      <p:bgRef idx="1001">
+        <a:schemeClr val="bg1"/>
+      </p:bgRef>
+    </p:bg>
     <p:spTree>
       <p:nvGrpSpPr>
         <p:cNvPr id="1" name=""/>
@@ -341,7 +342,9 @@
       <p:sp>
         <p:nvSpPr>
           <p:cNvPr id="160" name="Shape 160"/>
-          <p:cNvSpPr/>
+          <p:cNvSpPr>
+            <a:spLocks noGrp="1" noRot="1" noChangeAspect="1"/>
+          </p:cNvSpPr>
           <p:nvPr>
             <p:ph type="sldImg"/>
           </p:nvPr>
@@ -359,14 +362,16 @@
           <a:bodyPr/>
           <a:lstStyle/>
           <a:p>
-            <a:pPr/>
+            <a:endParaRPr/>
           </a:p>
         </p:txBody>
       </p:sp>
       <p:sp>
         <p:nvSpPr>
           <p:cNvPr id="161" name="Shape 161"/>
-          <p:cNvSpPr/>
+          <p:cNvSpPr>
+            <a:spLocks noGrp="1"/>
+          </p:cNvSpPr>
           <p:nvPr>
             <p:ph type="body" sz="quarter" idx="1"/>
           </p:nvPr>
@@ -384,7 +389,7 @@
           <a:bodyPr/>
           <a:lstStyle/>
           <a:p>
-            <a:pPr/>
+            <a:endParaRPr/>
           </a:p>
         </p:txBody>
       </p:sp>
@@ -469,7 +474,7 @@
 </file>
 
 <file path=ppt/slideLayouts/slideLayout1.xml><?xml version="1.0" encoding="utf-8"?>
-<p:sldLayout xmlns:a="http://schemas.openxmlformats.org/drawingml/2006/main" xmlns:r="http://schemas.openxmlformats.org/officeDocument/2006/relationships" xmlns:p="http://schemas.openxmlformats.org/presentationml/2006/main" type="title" showMasterSp="1" showMasterPhAnim="1">
+<p:sldLayout xmlns:a="http://schemas.openxmlformats.org/drawingml/2006/main" xmlns:r="http://schemas.openxmlformats.org/officeDocument/2006/relationships" xmlns:p="http://schemas.openxmlformats.org/presentationml/2006/main" type="title">
   <p:cSld name="標題投影片">
     <p:spTree>
       <p:nvGrpSpPr>
@@ -488,7 +493,9 @@
       <p:sp>
         <p:nvSpPr>
           <p:cNvPr id="13" name="大標題文字"/>
-          <p:cNvSpPr txBox="1"/>
+          <p:cNvSpPr txBox="1">
+            <a:spLocks noGrp="1"/>
+          </p:cNvSpPr>
           <p:nvPr>
             <p:ph type="title"/>
           </p:nvPr>
@@ -506,7 +513,6 @@
           <a:bodyPr/>
           <a:lstStyle/>
           <a:p>
-            <a:pPr/>
             <a:r>
               <a:t>大標題文字</a:t>
             </a:r>
@@ -516,7 +522,9 @@
       <p:sp>
         <p:nvSpPr>
           <p:cNvPr id="14" name="內文層級一…"/>
-          <p:cNvSpPr txBox="1"/>
+          <p:cNvSpPr txBox="1">
+            <a:spLocks noGrp="1"/>
+          </p:cNvSpPr>
           <p:nvPr>
             <p:ph type="body" idx="1"/>
           </p:nvPr>
@@ -568,7 +576,6 @@
             </a:lvl5pPr>
           </a:lstStyle>
           <a:p>
-            <a:pPr/>
             <a:r>
               <a:t>內文層級一</a:t>
             </a:r>
@@ -602,7 +609,9 @@
       <p:sp>
         <p:nvSpPr>
           <p:cNvPr id="15" name="幻燈片編號"/>
-          <p:cNvSpPr txBox="1"/>
+          <p:cNvSpPr txBox="1">
+            <a:spLocks noGrp="1"/>
+          </p:cNvSpPr>
           <p:nvPr>
             <p:ph type="sldNum" sz="quarter" idx="2"/>
           </p:nvPr>
@@ -616,8 +625,10 @@
           <a:bodyPr/>
           <a:lstStyle/>
           <a:p>
-            <a:pPr/>
-            <a:fld id="{86CB4B4D-7CA3-9044-876B-883B54F8677D}" type="slidenum"/>
+            <a:fld id="{86CB4B4D-7CA3-9044-876B-883B54F8677D}" type="slidenum">
+              <a:t>‹#›</a:t>
+            </a:fld>
+            <a:endParaRPr/>
           </a:p>
         </p:txBody>
       </p:sp>
@@ -626,12 +637,12 @@
   <p:clrMapOvr>
     <a:masterClrMapping/>
   </p:clrMapOvr>
-  <p:transition xmlns:p14="http://schemas.microsoft.com/office/powerpoint/2010/main" spd="med" advClick="1"/>
+  <p:transition spd="med"/>
 </p:sldLayout>
 </file>
 
 <file path=ppt/slideLayouts/slideLayout10.xml><?xml version="1.0" encoding="utf-8"?>
-<p:sldLayout xmlns:a="http://schemas.openxmlformats.org/drawingml/2006/main" xmlns:r="http://schemas.openxmlformats.org/officeDocument/2006/relationships" xmlns:p="http://schemas.openxmlformats.org/presentationml/2006/main" type="tx" showMasterSp="1" showMasterPhAnim="1">
+<p:sldLayout xmlns:a="http://schemas.openxmlformats.org/drawingml/2006/main" xmlns:r="http://schemas.openxmlformats.org/officeDocument/2006/relationships" xmlns:p="http://schemas.openxmlformats.org/presentationml/2006/main" type="tx">
   <p:cSld name="含標題的圖片">
     <p:spTree>
       <p:nvGrpSpPr>
@@ -650,7 +661,9 @@
       <p:sp>
         <p:nvSpPr>
           <p:cNvPr id="100" name="大標題文字"/>
-          <p:cNvSpPr txBox="1"/>
+          <p:cNvSpPr txBox="1">
+            <a:spLocks noGrp="1"/>
+          </p:cNvSpPr>
           <p:nvPr>
             <p:ph type="title"/>
           </p:nvPr>
@@ -668,7 +681,6 @@
           <a:bodyPr/>
           <a:lstStyle/>
           <a:p>
-            <a:pPr/>
             <a:r>
               <a:t>大標題文字</a:t>
             </a:r>
@@ -678,7 +690,9 @@
       <p:sp>
         <p:nvSpPr>
           <p:cNvPr id="101" name="Picture Placeholder 2"/>
-          <p:cNvSpPr/>
+          <p:cNvSpPr>
+            <a:spLocks noGrp="1"/>
+          </p:cNvSpPr>
           <p:nvPr>
             <p:ph type="pic" sz="half" idx="13"/>
           </p:nvPr>
@@ -698,14 +712,16 @@
           </a:bodyPr>
           <a:lstStyle/>
           <a:p>
-            <a:pPr/>
+            <a:endParaRPr/>
           </a:p>
         </p:txBody>
       </p:sp>
       <p:sp>
         <p:nvSpPr>
           <p:cNvPr id="102" name="內文層級一…"/>
-          <p:cNvSpPr txBox="1"/>
+          <p:cNvSpPr txBox="1">
+            <a:spLocks noGrp="1"/>
+          </p:cNvSpPr>
           <p:nvPr>
             <p:ph type="body" sz="half" idx="1"/>
           </p:nvPr>
@@ -757,7 +773,6 @@
             </a:lvl5pPr>
           </a:lstStyle>
           <a:p>
-            <a:pPr/>
             <a:r>
               <a:t>內文層級一</a:t>
             </a:r>
@@ -791,7 +806,9 @@
       <p:sp>
         <p:nvSpPr>
           <p:cNvPr id="103" name="幻燈片編號"/>
-          <p:cNvSpPr txBox="1"/>
+          <p:cNvSpPr txBox="1">
+            <a:spLocks noGrp="1"/>
+          </p:cNvSpPr>
           <p:nvPr>
             <p:ph type="sldNum" sz="quarter" idx="2"/>
           </p:nvPr>
@@ -805,8 +822,10 @@
           <a:bodyPr/>
           <a:lstStyle/>
           <a:p>
-            <a:pPr/>
-            <a:fld id="{86CB4B4D-7CA3-9044-876B-883B54F8677D}" type="slidenum"/>
+            <a:fld id="{86CB4B4D-7CA3-9044-876B-883B54F8677D}" type="slidenum">
+              <a:t>‹#›</a:t>
+            </a:fld>
+            <a:endParaRPr/>
           </a:p>
         </p:txBody>
       </p:sp>
@@ -815,12 +834,12 @@
   <p:clrMapOvr>
     <a:masterClrMapping/>
   </p:clrMapOvr>
-  <p:transition xmlns:p14="http://schemas.microsoft.com/office/powerpoint/2010/main" spd="med" advClick="1"/>
+  <p:transition spd="med"/>
 </p:sldLayout>
 </file>
 
 <file path=ppt/slideLayouts/slideLayout11.xml><?xml version="1.0" encoding="utf-8"?>
-<p:sldLayout xmlns:a="http://schemas.openxmlformats.org/drawingml/2006/main" xmlns:r="http://schemas.openxmlformats.org/officeDocument/2006/relationships" xmlns:p="http://schemas.openxmlformats.org/presentationml/2006/main" type="tx" showMasterSp="1" showMasterPhAnim="1">
+<p:sldLayout xmlns:a="http://schemas.openxmlformats.org/drawingml/2006/main" xmlns:r="http://schemas.openxmlformats.org/officeDocument/2006/relationships" xmlns:p="http://schemas.openxmlformats.org/presentationml/2006/main" type="tx">
   <p:cSld name="標題上的圖片">
     <p:spTree>
       <p:nvGrpSpPr>
@@ -839,7 +858,9 @@
       <p:sp>
         <p:nvSpPr>
           <p:cNvPr id="110" name="大標題文字"/>
-          <p:cNvSpPr txBox="1"/>
+          <p:cNvSpPr txBox="1">
+            <a:spLocks noGrp="1"/>
+          </p:cNvSpPr>
           <p:nvPr>
             <p:ph type="title"/>
           </p:nvPr>
@@ -861,7 +882,6 @@
             </a:lvl1pPr>
           </a:lstStyle>
           <a:p>
-            <a:pPr/>
             <a:r>
               <a:t>大標題文字</a:t>
             </a:r>
@@ -871,7 +891,9 @@
       <p:sp>
         <p:nvSpPr>
           <p:cNvPr id="111" name="內文層級一…"/>
-          <p:cNvSpPr txBox="1"/>
+          <p:cNvSpPr txBox="1">
+            <a:spLocks noGrp="1"/>
+          </p:cNvSpPr>
           <p:nvPr>
             <p:ph type="body" sz="half" idx="1"/>
           </p:nvPr>
@@ -938,7 +960,6 @@
             </a:lvl5pPr>
           </a:lstStyle>
           <a:p>
-            <a:pPr/>
             <a:r>
               <a:t>內文層級一</a:t>
             </a:r>
@@ -972,7 +993,9 @@
       <p:sp>
         <p:nvSpPr>
           <p:cNvPr id="112" name="Picture Placeholder 8"/>
-          <p:cNvSpPr/>
+          <p:cNvSpPr>
+            <a:spLocks noGrp="1"/>
+          </p:cNvSpPr>
           <p:nvPr>
             <p:ph type="pic" sz="half" idx="13"/>
           </p:nvPr>
@@ -992,14 +1015,16 @@
           </a:bodyPr>
           <a:lstStyle/>
           <a:p>
-            <a:pPr/>
+            <a:endParaRPr/>
           </a:p>
         </p:txBody>
       </p:sp>
       <p:sp>
         <p:nvSpPr>
           <p:cNvPr id="113" name="幻燈片編號"/>
-          <p:cNvSpPr txBox="1"/>
+          <p:cNvSpPr txBox="1">
+            <a:spLocks noGrp="1"/>
+          </p:cNvSpPr>
           <p:nvPr>
             <p:ph type="sldNum" sz="quarter" idx="2"/>
           </p:nvPr>
@@ -1017,8 +1042,10 @@
           <a:bodyPr/>
           <a:lstStyle/>
           <a:p>
-            <a:pPr/>
-            <a:fld id="{86CB4B4D-7CA3-9044-876B-883B54F8677D}" type="slidenum"/>
+            <a:fld id="{86CB4B4D-7CA3-9044-876B-883B54F8677D}" type="slidenum">
+              <a:t>‹#›</a:t>
+            </a:fld>
+            <a:endParaRPr/>
           </a:p>
         </p:txBody>
       </p:sp>
@@ -1027,12 +1054,12 @@
   <p:clrMapOvr>
     <a:masterClrMapping/>
   </p:clrMapOvr>
-  <p:transition xmlns:p14="http://schemas.microsoft.com/office/powerpoint/2010/main" spd="med" advClick="1"/>
+  <p:transition spd="med"/>
 </p:sldLayout>
 </file>
 
 <file path=ppt/slideLayouts/slideLayout12.xml><?xml version="1.0" encoding="utf-8"?>
-<p:sldLayout xmlns:a="http://schemas.openxmlformats.org/drawingml/2006/main" xmlns:r="http://schemas.openxmlformats.org/officeDocument/2006/relationships" xmlns:p="http://schemas.openxmlformats.org/presentationml/2006/main" type="tx" showMasterSp="1" showMasterPhAnim="1">
+<p:sldLayout xmlns:a="http://schemas.openxmlformats.org/drawingml/2006/main" xmlns:r="http://schemas.openxmlformats.org/officeDocument/2006/relationships" xmlns:p="http://schemas.openxmlformats.org/presentationml/2006/main" type="tx">
   <p:cSld name="2 張含標題圖片">
     <p:spTree>
       <p:nvGrpSpPr>
@@ -1051,7 +1078,9 @@
       <p:sp>
         <p:nvSpPr>
           <p:cNvPr id="120" name="大標題文字"/>
-          <p:cNvSpPr txBox="1"/>
+          <p:cNvSpPr txBox="1">
+            <a:spLocks noGrp="1"/>
+          </p:cNvSpPr>
           <p:nvPr>
             <p:ph type="title"/>
           </p:nvPr>
@@ -1073,7 +1102,6 @@
             </a:lvl1pPr>
           </a:lstStyle>
           <a:p>
-            <a:pPr/>
             <a:r>
               <a:t>大標題文字</a:t>
             </a:r>
@@ -1083,7 +1111,9 @@
       <p:sp>
         <p:nvSpPr>
           <p:cNvPr id="121" name="內文層級一…"/>
-          <p:cNvSpPr txBox="1"/>
+          <p:cNvSpPr txBox="1">
+            <a:spLocks noGrp="1"/>
+          </p:cNvSpPr>
           <p:nvPr>
             <p:ph type="body" sz="half" idx="1"/>
           </p:nvPr>
@@ -1150,7 +1180,6 @@
             </a:lvl5pPr>
           </a:lstStyle>
           <a:p>
-            <a:pPr/>
             <a:r>
               <a:t>內文層級一</a:t>
             </a:r>
@@ -1184,7 +1213,9 @@
       <p:sp>
         <p:nvSpPr>
           <p:cNvPr id="122" name="Picture Placeholder 8"/>
-          <p:cNvSpPr/>
+          <p:cNvSpPr>
+            <a:spLocks noGrp="1"/>
+          </p:cNvSpPr>
           <p:nvPr>
             <p:ph type="pic" sz="quarter" idx="13"/>
           </p:nvPr>
@@ -1204,14 +1235,16 @@
           </a:bodyPr>
           <a:lstStyle/>
           <a:p>
-            <a:pPr/>
+            <a:endParaRPr/>
           </a:p>
         </p:txBody>
       </p:sp>
       <p:sp>
         <p:nvSpPr>
           <p:cNvPr id="123" name="Picture Placeholder 8"/>
-          <p:cNvSpPr/>
+          <p:cNvSpPr>
+            <a:spLocks noGrp="1"/>
+          </p:cNvSpPr>
           <p:nvPr>
             <p:ph type="pic" sz="quarter" idx="14"/>
           </p:nvPr>
@@ -1231,14 +1264,16 @@
           </a:bodyPr>
           <a:lstStyle/>
           <a:p>
-            <a:pPr/>
+            <a:endParaRPr/>
           </a:p>
         </p:txBody>
       </p:sp>
       <p:sp>
         <p:nvSpPr>
           <p:cNvPr id="124" name="幻燈片編號"/>
-          <p:cNvSpPr txBox="1"/>
+          <p:cNvSpPr txBox="1">
+            <a:spLocks noGrp="1"/>
+          </p:cNvSpPr>
           <p:nvPr>
             <p:ph type="sldNum" sz="quarter" idx="2"/>
           </p:nvPr>
@@ -1256,8 +1291,10 @@
           <a:bodyPr/>
           <a:lstStyle/>
           <a:p>
-            <a:pPr/>
-            <a:fld id="{86CB4B4D-7CA3-9044-876B-883B54F8677D}" type="slidenum"/>
+            <a:fld id="{86CB4B4D-7CA3-9044-876B-883B54F8677D}" type="slidenum">
+              <a:t>‹#›</a:t>
+            </a:fld>
+            <a:endParaRPr/>
           </a:p>
         </p:txBody>
       </p:sp>
@@ -1266,12 +1303,12 @@
   <p:clrMapOvr>
     <a:masterClrMapping/>
   </p:clrMapOvr>
-  <p:transition xmlns:p14="http://schemas.microsoft.com/office/powerpoint/2010/main" spd="med" advClick="1"/>
+  <p:transition spd="med"/>
 </p:sldLayout>
 </file>
 
 <file path=ppt/slideLayouts/slideLayout13.xml><?xml version="1.0" encoding="utf-8"?>
-<p:sldLayout xmlns:a="http://schemas.openxmlformats.org/drawingml/2006/main" xmlns:r="http://schemas.openxmlformats.org/officeDocument/2006/relationships" xmlns:p="http://schemas.openxmlformats.org/presentationml/2006/main" type="tx" showMasterSp="1" showMasterPhAnim="1">
+<p:sldLayout xmlns:a="http://schemas.openxmlformats.org/drawingml/2006/main" xmlns:r="http://schemas.openxmlformats.org/officeDocument/2006/relationships" xmlns:p="http://schemas.openxmlformats.org/presentationml/2006/main" type="tx">
   <p:cSld name="3 張含標題圖片">
     <p:spTree>
       <p:nvGrpSpPr>
@@ -1290,7 +1327,9 @@
       <p:sp>
         <p:nvSpPr>
           <p:cNvPr id="131" name="大標題文字"/>
-          <p:cNvSpPr txBox="1"/>
+          <p:cNvSpPr txBox="1">
+            <a:spLocks noGrp="1"/>
+          </p:cNvSpPr>
           <p:nvPr>
             <p:ph type="title"/>
           </p:nvPr>
@@ -1312,7 +1351,6 @@
             </a:lvl1pPr>
           </a:lstStyle>
           <a:p>
-            <a:pPr/>
             <a:r>
               <a:t>大標題文字</a:t>
             </a:r>
@@ -1322,7 +1360,9 @@
       <p:sp>
         <p:nvSpPr>
           <p:cNvPr id="132" name="內文層級一…"/>
-          <p:cNvSpPr txBox="1"/>
+          <p:cNvSpPr txBox="1">
+            <a:spLocks noGrp="1"/>
+          </p:cNvSpPr>
           <p:nvPr>
             <p:ph type="body" sz="half" idx="1"/>
           </p:nvPr>
@@ -1389,7 +1429,6 @@
             </a:lvl5pPr>
           </a:lstStyle>
           <a:p>
-            <a:pPr/>
             <a:r>
               <a:t>內文層級一</a:t>
             </a:r>
@@ -1423,7 +1462,9 @@
       <p:sp>
         <p:nvSpPr>
           <p:cNvPr id="133" name="Picture Placeholder 8"/>
-          <p:cNvSpPr/>
+          <p:cNvSpPr>
+            <a:spLocks noGrp="1"/>
+          </p:cNvSpPr>
           <p:nvPr>
             <p:ph type="pic" sz="half" idx="13"/>
           </p:nvPr>
@@ -1443,14 +1484,16 @@
           </a:bodyPr>
           <a:lstStyle/>
           <a:p>
-            <a:pPr/>
+            <a:endParaRPr/>
           </a:p>
         </p:txBody>
       </p:sp>
       <p:sp>
         <p:nvSpPr>
           <p:cNvPr id="134" name="Picture Placeholder 8"/>
-          <p:cNvSpPr/>
+          <p:cNvSpPr>
+            <a:spLocks noGrp="1"/>
+          </p:cNvSpPr>
           <p:nvPr>
             <p:ph type="pic" sz="quarter" idx="14"/>
           </p:nvPr>
@@ -1470,14 +1513,16 @@
           </a:bodyPr>
           <a:lstStyle/>
           <a:p>
-            <a:pPr/>
+            <a:endParaRPr/>
           </a:p>
         </p:txBody>
       </p:sp>
       <p:sp>
         <p:nvSpPr>
           <p:cNvPr id="135" name="Picture Placeholder 8"/>
-          <p:cNvSpPr/>
+          <p:cNvSpPr>
+            <a:spLocks noGrp="1"/>
+          </p:cNvSpPr>
           <p:nvPr>
             <p:ph type="pic" sz="quarter" idx="15"/>
           </p:nvPr>
@@ -1497,14 +1542,16 @@
           </a:bodyPr>
           <a:lstStyle/>
           <a:p>
-            <a:pPr/>
+            <a:endParaRPr/>
           </a:p>
         </p:txBody>
       </p:sp>
       <p:sp>
         <p:nvSpPr>
           <p:cNvPr id="136" name="幻燈片編號"/>
-          <p:cNvSpPr txBox="1"/>
+          <p:cNvSpPr txBox="1">
+            <a:spLocks noGrp="1"/>
+          </p:cNvSpPr>
           <p:nvPr>
             <p:ph type="sldNum" sz="quarter" idx="2"/>
           </p:nvPr>
@@ -1522,8 +1569,10 @@
           <a:bodyPr/>
           <a:lstStyle/>
           <a:p>
-            <a:pPr/>
-            <a:fld id="{86CB4B4D-7CA3-9044-876B-883B54F8677D}" type="slidenum"/>
+            <a:fld id="{86CB4B4D-7CA3-9044-876B-883B54F8677D}" type="slidenum">
+              <a:t>‹#›</a:t>
+            </a:fld>
+            <a:endParaRPr/>
           </a:p>
         </p:txBody>
       </p:sp>
@@ -1532,12 +1581,12 @@
   <p:clrMapOvr>
     <a:masterClrMapping/>
   </p:clrMapOvr>
-  <p:transition xmlns:p14="http://schemas.microsoft.com/office/powerpoint/2010/main" spd="med" advClick="1"/>
+  <p:transition spd="med"/>
 </p:sldLayout>
 </file>
 
 <file path=ppt/slideLayouts/slideLayout14.xml><?xml version="1.0" encoding="utf-8"?>
-<p:sldLayout xmlns:a="http://schemas.openxmlformats.org/drawingml/2006/main" xmlns:r="http://schemas.openxmlformats.org/officeDocument/2006/relationships" xmlns:p="http://schemas.openxmlformats.org/presentationml/2006/main" type="tx" showMasterSp="1" showMasterPhAnim="1">
+<p:sldLayout xmlns:a="http://schemas.openxmlformats.org/drawingml/2006/main" xmlns:r="http://schemas.openxmlformats.org/officeDocument/2006/relationships" xmlns:p="http://schemas.openxmlformats.org/presentationml/2006/main" type="tx">
   <p:cSld name="標題及直排文字">
     <p:spTree>
       <p:nvGrpSpPr>
@@ -1556,7 +1605,9 @@
       <p:sp>
         <p:nvSpPr>
           <p:cNvPr id="143" name="大標題文字"/>
-          <p:cNvSpPr txBox="1"/>
+          <p:cNvSpPr txBox="1">
+            <a:spLocks noGrp="1"/>
+          </p:cNvSpPr>
           <p:nvPr>
             <p:ph type="title"/>
           </p:nvPr>
@@ -1574,7 +1625,6 @@
           <a:bodyPr/>
           <a:lstStyle/>
           <a:p>
-            <a:pPr/>
             <a:r>
               <a:t>大標題文字</a:t>
             </a:r>
@@ -1584,7 +1634,9 @@
       <p:sp>
         <p:nvSpPr>
           <p:cNvPr id="144" name="內文層級一…"/>
-          <p:cNvSpPr txBox="1"/>
+          <p:cNvSpPr txBox="1">
+            <a:spLocks noGrp="1"/>
+          </p:cNvSpPr>
           <p:nvPr>
             <p:ph type="body" idx="1"/>
           </p:nvPr>
@@ -1602,7 +1654,6 @@
           <a:bodyPr/>
           <a:lstStyle/>
           <a:p>
-            <a:pPr/>
             <a:r>
               <a:t>內文層級一</a:t>
             </a:r>
@@ -1636,7 +1687,9 @@
       <p:sp>
         <p:nvSpPr>
           <p:cNvPr id="145" name="幻燈片編號"/>
-          <p:cNvSpPr txBox="1"/>
+          <p:cNvSpPr txBox="1">
+            <a:spLocks noGrp="1"/>
+          </p:cNvSpPr>
           <p:nvPr>
             <p:ph type="sldNum" sz="quarter" idx="2"/>
           </p:nvPr>
@@ -1650,8 +1703,10 @@
           <a:bodyPr/>
           <a:lstStyle/>
           <a:p>
-            <a:pPr/>
-            <a:fld id="{86CB4B4D-7CA3-9044-876B-883B54F8677D}" type="slidenum"/>
+            <a:fld id="{86CB4B4D-7CA3-9044-876B-883B54F8677D}" type="slidenum">
+              <a:t>‹#›</a:t>
+            </a:fld>
+            <a:endParaRPr/>
           </a:p>
         </p:txBody>
       </p:sp>
@@ -1660,12 +1715,12 @@
   <p:clrMapOvr>
     <a:masterClrMapping/>
   </p:clrMapOvr>
-  <p:transition xmlns:p14="http://schemas.microsoft.com/office/powerpoint/2010/main" spd="med" advClick="1"/>
+  <p:transition spd="med"/>
 </p:sldLayout>
 </file>
 
 <file path=ppt/slideLayouts/slideLayout15.xml><?xml version="1.0" encoding="utf-8"?>
-<p:sldLayout xmlns:a="http://schemas.openxmlformats.org/drawingml/2006/main" xmlns:r="http://schemas.openxmlformats.org/officeDocument/2006/relationships" xmlns:p="http://schemas.openxmlformats.org/presentationml/2006/main" type="tx" showMasterSp="1" showMasterPhAnim="1">
+<p:sldLayout xmlns:a="http://schemas.openxmlformats.org/drawingml/2006/main" xmlns:r="http://schemas.openxmlformats.org/officeDocument/2006/relationships" xmlns:p="http://schemas.openxmlformats.org/presentationml/2006/main" type="tx">
   <p:cSld name="直排標題及文字">
     <p:spTree>
       <p:nvGrpSpPr>
@@ -1684,7 +1739,9 @@
       <p:sp>
         <p:nvSpPr>
           <p:cNvPr id="152" name="大標題文字"/>
-          <p:cNvSpPr txBox="1"/>
+          <p:cNvSpPr txBox="1">
+            <a:spLocks noGrp="1"/>
+          </p:cNvSpPr>
           <p:nvPr>
             <p:ph type="title"/>
           </p:nvPr>
@@ -1702,7 +1759,6 @@
           <a:bodyPr lIns="274320" tIns="274320" rIns="274320" bIns="274320"/>
           <a:lstStyle/>
           <a:p>
-            <a:pPr/>
             <a:r>
               <a:t>大標題文字</a:t>
             </a:r>
@@ -1712,7 +1768,9 @@
       <p:sp>
         <p:nvSpPr>
           <p:cNvPr id="153" name="內文層級一…"/>
-          <p:cNvSpPr txBox="1"/>
+          <p:cNvSpPr txBox="1">
+            <a:spLocks noGrp="1"/>
+          </p:cNvSpPr>
           <p:nvPr>
             <p:ph type="body" idx="1"/>
           </p:nvPr>
@@ -1730,7 +1788,6 @@
           <a:bodyPr/>
           <a:lstStyle/>
           <a:p>
-            <a:pPr/>
             <a:r>
               <a:t>內文層級一</a:t>
             </a:r>
@@ -1764,7 +1821,9 @@
       <p:sp>
         <p:nvSpPr>
           <p:cNvPr id="154" name="幻燈片編號"/>
-          <p:cNvSpPr txBox="1"/>
+          <p:cNvSpPr txBox="1">
+            <a:spLocks noGrp="1"/>
+          </p:cNvSpPr>
           <p:nvPr>
             <p:ph type="sldNum" sz="quarter" idx="2"/>
           </p:nvPr>
@@ -1778,8 +1837,10 @@
           <a:bodyPr/>
           <a:lstStyle/>
           <a:p>
-            <a:pPr/>
-            <a:fld id="{86CB4B4D-7CA3-9044-876B-883B54F8677D}" type="slidenum"/>
+            <a:fld id="{86CB4B4D-7CA3-9044-876B-883B54F8677D}" type="slidenum">
+              <a:t>‹#›</a:t>
+            </a:fld>
+            <a:endParaRPr/>
           </a:p>
         </p:txBody>
       </p:sp>
@@ -1788,12 +1849,12 @@
   <p:clrMapOvr>
     <a:masterClrMapping/>
   </p:clrMapOvr>
-  <p:transition xmlns:p14="http://schemas.microsoft.com/office/powerpoint/2010/main" spd="med" advClick="1"/>
+  <p:transition spd="med"/>
 </p:sldLayout>
 </file>
 
 <file path=ppt/slideLayouts/slideLayout2.xml><?xml version="1.0" encoding="utf-8"?>
-<p:sldLayout xmlns:a="http://schemas.openxmlformats.org/drawingml/2006/main" xmlns:r="http://schemas.openxmlformats.org/officeDocument/2006/relationships" xmlns:p="http://schemas.openxmlformats.org/presentationml/2006/main" type="tx" showMasterSp="1" showMasterPhAnim="1">
+<p:sldLayout xmlns:a="http://schemas.openxmlformats.org/drawingml/2006/main" xmlns:r="http://schemas.openxmlformats.org/officeDocument/2006/relationships" xmlns:p="http://schemas.openxmlformats.org/presentationml/2006/main" type="tx">
   <p:cSld name="標題及物件">
     <p:spTree>
       <p:nvGrpSpPr>
@@ -1812,7 +1873,9 @@
       <p:sp>
         <p:nvSpPr>
           <p:cNvPr id="22" name="大標題文字"/>
-          <p:cNvSpPr txBox="1"/>
+          <p:cNvSpPr txBox="1">
+            <a:spLocks noGrp="1"/>
+          </p:cNvSpPr>
           <p:nvPr>
             <p:ph type="title"/>
           </p:nvPr>
@@ -1830,7 +1893,6 @@
           <a:bodyPr/>
           <a:lstStyle/>
           <a:p>
-            <a:pPr/>
             <a:r>
               <a:t>大標題文字</a:t>
             </a:r>
@@ -1840,7 +1902,9 @@
       <p:sp>
         <p:nvSpPr>
           <p:cNvPr id="23" name="內文層級一…"/>
-          <p:cNvSpPr txBox="1"/>
+          <p:cNvSpPr txBox="1">
+            <a:spLocks noGrp="1"/>
+          </p:cNvSpPr>
           <p:nvPr>
             <p:ph type="body" idx="1"/>
           </p:nvPr>
@@ -1858,7 +1922,6 @@
           <a:bodyPr/>
           <a:lstStyle/>
           <a:p>
-            <a:pPr/>
             <a:r>
               <a:t>內文層級一</a:t>
             </a:r>
@@ -1892,7 +1955,9 @@
       <p:sp>
         <p:nvSpPr>
           <p:cNvPr id="24" name="幻燈片編號"/>
-          <p:cNvSpPr txBox="1"/>
+          <p:cNvSpPr txBox="1">
+            <a:spLocks noGrp="1"/>
+          </p:cNvSpPr>
           <p:nvPr>
             <p:ph type="sldNum" sz="quarter" idx="2"/>
           </p:nvPr>
@@ -1906,8 +1971,10 @@
           <a:bodyPr/>
           <a:lstStyle/>
           <a:p>
-            <a:pPr/>
-            <a:fld id="{86CB4B4D-7CA3-9044-876B-883B54F8677D}" type="slidenum"/>
+            <a:fld id="{86CB4B4D-7CA3-9044-876B-883B54F8677D}" type="slidenum">
+              <a:t>‹#›</a:t>
+            </a:fld>
+            <a:endParaRPr/>
           </a:p>
         </p:txBody>
       </p:sp>
@@ -1916,12 +1983,12 @@
   <p:clrMapOvr>
     <a:masterClrMapping/>
   </p:clrMapOvr>
-  <p:transition xmlns:p14="http://schemas.microsoft.com/office/powerpoint/2010/main" spd="med" advClick="1"/>
+  <p:transition spd="med"/>
 </p:sldLayout>
 </file>
 
 <file path=ppt/slideLayouts/slideLayout3.xml><?xml version="1.0" encoding="utf-8"?>
-<p:sldLayout xmlns:a="http://schemas.openxmlformats.org/drawingml/2006/main" xmlns:r="http://schemas.openxmlformats.org/officeDocument/2006/relationships" xmlns:p="http://schemas.openxmlformats.org/presentationml/2006/main" type="tx" showMasterSp="1" showMasterPhAnim="1">
+<p:sldLayout xmlns:a="http://schemas.openxmlformats.org/drawingml/2006/main" xmlns:r="http://schemas.openxmlformats.org/officeDocument/2006/relationships" xmlns:p="http://schemas.openxmlformats.org/presentationml/2006/main" type="tx">
   <p:cSld name="標題投影片含圖片">
     <p:spTree>
       <p:nvGrpSpPr>
@@ -1940,7 +2007,9 @@
       <p:sp>
         <p:nvSpPr>
           <p:cNvPr id="31" name="大標題文字"/>
-          <p:cNvSpPr txBox="1"/>
+          <p:cNvSpPr txBox="1">
+            <a:spLocks noGrp="1"/>
+          </p:cNvSpPr>
           <p:nvPr>
             <p:ph type="title"/>
           </p:nvPr>
@@ -1958,7 +2027,6 @@
           <a:bodyPr/>
           <a:lstStyle/>
           <a:p>
-            <a:pPr/>
             <a:r>
               <a:t>大標題文字</a:t>
             </a:r>
@@ -1968,7 +2036,9 @@
       <p:sp>
         <p:nvSpPr>
           <p:cNvPr id="32" name="內文層級一…"/>
-          <p:cNvSpPr txBox="1"/>
+          <p:cNvSpPr txBox="1">
+            <a:spLocks noGrp="1"/>
+          </p:cNvSpPr>
           <p:nvPr>
             <p:ph type="body" sz="quarter" idx="1"/>
           </p:nvPr>
@@ -2035,7 +2105,6 @@
             </a:lvl5pPr>
           </a:lstStyle>
           <a:p>
-            <a:pPr/>
             <a:r>
               <a:t>內文層級一</a:t>
             </a:r>
@@ -2069,7 +2138,9 @@
       <p:sp>
         <p:nvSpPr>
           <p:cNvPr id="33" name="Picture Placeholder 8"/>
-          <p:cNvSpPr/>
+          <p:cNvSpPr>
+            <a:spLocks noGrp="1"/>
+          </p:cNvSpPr>
           <p:nvPr>
             <p:ph type="pic" idx="13"/>
           </p:nvPr>
@@ -2089,14 +2160,16 @@
           </a:bodyPr>
           <a:lstStyle/>
           <a:p>
-            <a:pPr/>
+            <a:endParaRPr/>
           </a:p>
         </p:txBody>
       </p:sp>
       <p:sp>
         <p:nvSpPr>
           <p:cNvPr id="34" name="幻燈片編號"/>
-          <p:cNvSpPr txBox="1"/>
+          <p:cNvSpPr txBox="1">
+            <a:spLocks noGrp="1"/>
+          </p:cNvSpPr>
           <p:nvPr>
             <p:ph type="sldNum" sz="quarter" idx="2"/>
           </p:nvPr>
@@ -2114,8 +2187,10 @@
           <a:bodyPr/>
           <a:lstStyle/>
           <a:p>
-            <a:pPr/>
-            <a:fld id="{86CB4B4D-7CA3-9044-876B-883B54F8677D}" type="slidenum"/>
+            <a:fld id="{86CB4B4D-7CA3-9044-876B-883B54F8677D}" type="slidenum">
+              <a:t>‹#›</a:t>
+            </a:fld>
+            <a:endParaRPr/>
           </a:p>
         </p:txBody>
       </p:sp>
@@ -2124,12 +2199,12 @@
   <p:clrMapOvr>
     <a:masterClrMapping/>
   </p:clrMapOvr>
-  <p:transition xmlns:p14="http://schemas.microsoft.com/office/powerpoint/2010/main" spd="med" advClick="1"/>
+  <p:transition spd="med"/>
 </p:sldLayout>
 </file>
 
 <file path=ppt/slideLayouts/slideLayout4.xml><?xml version="1.0" encoding="utf-8"?>
-<p:sldLayout xmlns:a="http://schemas.openxmlformats.org/drawingml/2006/main" xmlns:r="http://schemas.openxmlformats.org/officeDocument/2006/relationships" xmlns:p="http://schemas.openxmlformats.org/presentationml/2006/main" type="tx" showMasterSp="1" showMasterPhAnim="1">
+<p:sldLayout xmlns:a="http://schemas.openxmlformats.org/drawingml/2006/main" xmlns:r="http://schemas.openxmlformats.org/officeDocument/2006/relationships" xmlns:p="http://schemas.openxmlformats.org/presentationml/2006/main" type="tx">
   <p:cSld name="區段標頭">
     <p:spTree>
       <p:nvGrpSpPr>
@@ -2148,7 +2223,9 @@
       <p:sp>
         <p:nvSpPr>
           <p:cNvPr id="41" name="大標題文字"/>
-          <p:cNvSpPr txBox="1"/>
+          <p:cNvSpPr txBox="1">
+            <a:spLocks noGrp="1"/>
+          </p:cNvSpPr>
           <p:nvPr>
             <p:ph type="title"/>
           </p:nvPr>
@@ -2166,7 +2243,6 @@
           <a:bodyPr anchor="b"/>
           <a:lstStyle/>
           <a:p>
-            <a:pPr/>
             <a:r>
               <a:t>大標題文字</a:t>
             </a:r>
@@ -2176,7 +2252,9 @@
       <p:sp>
         <p:nvSpPr>
           <p:cNvPr id="42" name="內文層級一…"/>
-          <p:cNvSpPr txBox="1"/>
+          <p:cNvSpPr txBox="1">
+            <a:spLocks noGrp="1"/>
+          </p:cNvSpPr>
           <p:nvPr>
             <p:ph type="body" sz="quarter" idx="1"/>
           </p:nvPr>
@@ -2243,7 +2321,6 @@
             </a:lvl5pPr>
           </a:lstStyle>
           <a:p>
-            <a:pPr/>
             <a:r>
               <a:t>內文層級一</a:t>
             </a:r>
@@ -2277,7 +2354,9 @@
       <p:sp>
         <p:nvSpPr>
           <p:cNvPr id="43" name="幻燈片編號"/>
-          <p:cNvSpPr txBox="1"/>
+          <p:cNvSpPr txBox="1">
+            <a:spLocks noGrp="1"/>
+          </p:cNvSpPr>
           <p:nvPr>
             <p:ph type="sldNum" sz="quarter" idx="2"/>
           </p:nvPr>
@@ -2291,8 +2370,10 @@
           <a:bodyPr/>
           <a:lstStyle/>
           <a:p>
-            <a:pPr/>
-            <a:fld id="{86CB4B4D-7CA3-9044-876B-883B54F8677D}" type="slidenum"/>
+            <a:fld id="{86CB4B4D-7CA3-9044-876B-883B54F8677D}" type="slidenum">
+              <a:t>‹#›</a:t>
+            </a:fld>
+            <a:endParaRPr/>
           </a:p>
         </p:txBody>
       </p:sp>
@@ -2301,12 +2382,12 @@
   <p:clrMapOvr>
     <a:masterClrMapping/>
   </p:clrMapOvr>
-  <p:transition xmlns:p14="http://schemas.microsoft.com/office/powerpoint/2010/main" spd="med" advClick="1"/>
+  <p:transition spd="med"/>
 </p:sldLayout>
 </file>
 
 <file path=ppt/slideLayouts/slideLayout5.xml><?xml version="1.0" encoding="utf-8"?>
-<p:sldLayout xmlns:a="http://schemas.openxmlformats.org/drawingml/2006/main" xmlns:r="http://schemas.openxmlformats.org/officeDocument/2006/relationships" xmlns:p="http://schemas.openxmlformats.org/presentationml/2006/main" type="tx" showMasterSp="1" showMasterPhAnim="1">
+<p:sldLayout xmlns:a="http://schemas.openxmlformats.org/drawingml/2006/main" xmlns:r="http://schemas.openxmlformats.org/officeDocument/2006/relationships" xmlns:p="http://schemas.openxmlformats.org/presentationml/2006/main" type="tx">
   <p:cSld name="兩項物件">
     <p:spTree>
       <p:nvGrpSpPr>
@@ -2325,7 +2406,9 @@
       <p:sp>
         <p:nvSpPr>
           <p:cNvPr id="50" name="大標題文字"/>
-          <p:cNvSpPr txBox="1"/>
+          <p:cNvSpPr txBox="1">
+            <a:spLocks noGrp="1"/>
+          </p:cNvSpPr>
           <p:nvPr>
             <p:ph type="title"/>
           </p:nvPr>
@@ -2343,7 +2426,6 @@
           <a:bodyPr/>
           <a:lstStyle/>
           <a:p>
-            <a:pPr/>
             <a:r>
               <a:t>大標題文字</a:t>
             </a:r>
@@ -2353,7 +2435,9 @@
       <p:sp>
         <p:nvSpPr>
           <p:cNvPr id="51" name="內文層級一…"/>
-          <p:cNvSpPr txBox="1"/>
+          <p:cNvSpPr txBox="1">
+            <a:spLocks noGrp="1"/>
+          </p:cNvSpPr>
           <p:nvPr>
             <p:ph type="body" sz="half" idx="1"/>
           </p:nvPr>
@@ -2387,7 +2471,6 @@
             </a:lvl5pPr>
           </a:lstStyle>
           <a:p>
-            <a:pPr/>
             <a:r>
               <a:t>內文層級一</a:t>
             </a:r>
@@ -2421,7 +2504,9 @@
       <p:sp>
         <p:nvSpPr>
           <p:cNvPr id="52" name="幻燈片編號"/>
-          <p:cNvSpPr txBox="1"/>
+          <p:cNvSpPr txBox="1">
+            <a:spLocks noGrp="1"/>
+          </p:cNvSpPr>
           <p:nvPr>
             <p:ph type="sldNum" sz="quarter" idx="2"/>
           </p:nvPr>
@@ -2435,8 +2520,10 @@
           <a:bodyPr/>
           <a:lstStyle/>
           <a:p>
-            <a:pPr/>
-            <a:fld id="{86CB4B4D-7CA3-9044-876B-883B54F8677D}" type="slidenum"/>
+            <a:fld id="{86CB4B4D-7CA3-9044-876B-883B54F8677D}" type="slidenum">
+              <a:t>‹#›</a:t>
+            </a:fld>
+            <a:endParaRPr/>
           </a:p>
         </p:txBody>
       </p:sp>
@@ -2445,12 +2532,12 @@
   <p:clrMapOvr>
     <a:masterClrMapping/>
   </p:clrMapOvr>
-  <p:transition xmlns:p14="http://schemas.microsoft.com/office/powerpoint/2010/main" spd="med" advClick="1"/>
+  <p:transition spd="med"/>
 </p:sldLayout>
 </file>
 
 <file path=ppt/slideLayouts/slideLayout6.xml><?xml version="1.0" encoding="utf-8"?>
-<p:sldLayout xmlns:a="http://schemas.openxmlformats.org/drawingml/2006/main" xmlns:r="http://schemas.openxmlformats.org/officeDocument/2006/relationships" xmlns:p="http://schemas.openxmlformats.org/presentationml/2006/main" type="tx" showMasterSp="1" showMasterPhAnim="1">
+<p:sldLayout xmlns:a="http://schemas.openxmlformats.org/drawingml/2006/main" xmlns:r="http://schemas.openxmlformats.org/officeDocument/2006/relationships" xmlns:p="http://schemas.openxmlformats.org/presentationml/2006/main" type="tx">
   <p:cSld name="比較">
     <p:spTree>
       <p:nvGrpSpPr>
@@ -2469,7 +2556,9 @@
       <p:sp>
         <p:nvSpPr>
           <p:cNvPr id="59" name="大標題文字"/>
-          <p:cNvSpPr txBox="1"/>
+          <p:cNvSpPr txBox="1">
+            <a:spLocks noGrp="1"/>
+          </p:cNvSpPr>
           <p:nvPr>
             <p:ph type="title"/>
           </p:nvPr>
@@ -2487,7 +2576,6 @@
           <a:bodyPr/>
           <a:lstStyle/>
           <a:p>
-            <a:pPr/>
             <a:r>
               <a:t>大標題文字</a:t>
             </a:r>
@@ -2497,7 +2585,9 @@
       <p:sp>
         <p:nvSpPr>
           <p:cNvPr id="60" name="內文層級一…"/>
-          <p:cNvSpPr txBox="1"/>
+          <p:cNvSpPr txBox="1">
+            <a:spLocks noGrp="1"/>
+          </p:cNvSpPr>
           <p:nvPr>
             <p:ph type="body" sz="quarter" idx="1"/>
           </p:nvPr>
@@ -2546,7 +2636,6 @@
             </a:lvl5pPr>
           </a:lstStyle>
           <a:p>
-            <a:pPr/>
             <a:r>
               <a:t>內文層級一</a:t>
             </a:r>
@@ -2580,7 +2669,9 @@
       <p:sp>
         <p:nvSpPr>
           <p:cNvPr id="61" name="Text Placeholder 4"/>
-          <p:cNvSpPr/>
+          <p:cNvSpPr>
+            <a:spLocks noGrp="1"/>
+          </p:cNvSpPr>
           <p:nvPr>
             <p:ph type="body" sz="quarter" idx="13"/>
           </p:nvPr>
@@ -2604,6 +2695,7 @@
               <a:buNone/>
               <a:defRPr sz="2400"/>
             </a:pPr>
+            <a:endParaRPr/>
           </a:p>
         </p:txBody>
       </p:sp>
@@ -2631,7 +2723,7 @@
           <a:bodyPr lIns="45719" rIns="45719"/>
           <a:lstStyle/>
           <a:p>
-            <a:pPr/>
+            <a:endParaRPr/>
           </a:p>
         </p:txBody>
       </p:sp>
@@ -2659,7 +2751,7 @@
           <a:bodyPr lIns="45719" rIns="45719"/>
           <a:lstStyle/>
           <a:p>
-            <a:pPr/>
+            <a:endParaRPr/>
           </a:p>
         </p:txBody>
       </p:sp>
@@ -2687,7 +2779,7 @@
           <a:bodyPr lIns="45719" rIns="45719"/>
           <a:lstStyle/>
           <a:p>
-            <a:pPr/>
+            <a:endParaRPr/>
           </a:p>
         </p:txBody>
       </p:sp>
@@ -2715,7 +2807,7 @@
           <a:bodyPr lIns="45719" rIns="45719"/>
           <a:lstStyle/>
           <a:p>
-            <a:pPr/>
+            <a:endParaRPr/>
           </a:p>
         </p:txBody>
       </p:sp>
@@ -2743,7 +2835,7 @@
           <a:bodyPr lIns="45719" rIns="45719"/>
           <a:lstStyle/>
           <a:p>
-            <a:pPr/>
+            <a:endParaRPr/>
           </a:p>
         </p:txBody>
       </p:sp>
@@ -2771,14 +2863,16 @@
           <a:bodyPr lIns="45719" rIns="45719"/>
           <a:lstStyle/>
           <a:p>
-            <a:pPr/>
+            <a:endParaRPr/>
           </a:p>
         </p:txBody>
       </p:sp>
       <p:sp>
         <p:nvSpPr>
           <p:cNvPr id="68" name="幻燈片編號"/>
-          <p:cNvSpPr txBox="1"/>
+          <p:cNvSpPr txBox="1">
+            <a:spLocks noGrp="1"/>
+          </p:cNvSpPr>
           <p:nvPr>
             <p:ph type="sldNum" sz="quarter" idx="2"/>
           </p:nvPr>
@@ -2792,8 +2886,10 @@
           <a:bodyPr/>
           <a:lstStyle/>
           <a:p>
-            <a:pPr/>
-            <a:fld id="{86CB4B4D-7CA3-9044-876B-883B54F8677D}" type="slidenum"/>
+            <a:fld id="{86CB4B4D-7CA3-9044-876B-883B54F8677D}" type="slidenum">
+              <a:t>‹#›</a:t>
+            </a:fld>
+            <a:endParaRPr/>
           </a:p>
         </p:txBody>
       </p:sp>
@@ -2802,12 +2898,12 @@
   <p:clrMapOvr>
     <a:masterClrMapping/>
   </p:clrMapOvr>
-  <p:transition xmlns:p14="http://schemas.microsoft.com/office/powerpoint/2010/main" spd="med" advClick="1"/>
+  <p:transition spd="med"/>
 </p:sldLayout>
 </file>
 
 <file path=ppt/slideLayouts/slideLayout7.xml><?xml version="1.0" encoding="utf-8"?>
-<p:sldLayout xmlns:a="http://schemas.openxmlformats.org/drawingml/2006/main" xmlns:r="http://schemas.openxmlformats.org/officeDocument/2006/relationships" xmlns:p="http://schemas.openxmlformats.org/presentationml/2006/main" type="tx" showMasterSp="1" showMasterPhAnim="1">
+<p:sldLayout xmlns:a="http://schemas.openxmlformats.org/drawingml/2006/main" xmlns:r="http://schemas.openxmlformats.org/officeDocument/2006/relationships" xmlns:p="http://schemas.openxmlformats.org/presentationml/2006/main" type="tx">
   <p:cSld name="只有標題">
     <p:spTree>
       <p:nvGrpSpPr>
@@ -2826,7 +2922,9 @@
       <p:sp>
         <p:nvSpPr>
           <p:cNvPr id="75" name="大標題文字"/>
-          <p:cNvSpPr txBox="1"/>
+          <p:cNvSpPr txBox="1">
+            <a:spLocks noGrp="1"/>
+          </p:cNvSpPr>
           <p:nvPr>
             <p:ph type="title"/>
           </p:nvPr>
@@ -2844,7 +2942,6 @@
           <a:bodyPr/>
           <a:lstStyle/>
           <a:p>
-            <a:pPr/>
             <a:r>
               <a:t>大標題文字</a:t>
             </a:r>
@@ -2854,7 +2951,9 @@
       <p:sp>
         <p:nvSpPr>
           <p:cNvPr id="76" name="幻燈片編號"/>
-          <p:cNvSpPr txBox="1"/>
+          <p:cNvSpPr txBox="1">
+            <a:spLocks noGrp="1"/>
+          </p:cNvSpPr>
           <p:nvPr>
             <p:ph type="sldNum" sz="quarter" idx="2"/>
           </p:nvPr>
@@ -2868,8 +2967,10 @@
           <a:bodyPr/>
           <a:lstStyle/>
           <a:p>
-            <a:pPr/>
-            <a:fld id="{86CB4B4D-7CA3-9044-876B-883B54F8677D}" type="slidenum"/>
+            <a:fld id="{86CB4B4D-7CA3-9044-876B-883B54F8677D}" type="slidenum">
+              <a:t>‹#›</a:t>
+            </a:fld>
+            <a:endParaRPr/>
           </a:p>
         </p:txBody>
       </p:sp>
@@ -2878,12 +2979,12 @@
   <p:clrMapOvr>
     <a:masterClrMapping/>
   </p:clrMapOvr>
-  <p:transition xmlns:p14="http://schemas.microsoft.com/office/powerpoint/2010/main" spd="med" advClick="1"/>
+  <p:transition spd="med"/>
 </p:sldLayout>
 </file>
 
 <file path=ppt/slideLayouts/slideLayout8.xml><?xml version="1.0" encoding="utf-8"?>
-<p:sldLayout xmlns:a="http://schemas.openxmlformats.org/drawingml/2006/main" xmlns:r="http://schemas.openxmlformats.org/officeDocument/2006/relationships" xmlns:p="http://schemas.openxmlformats.org/presentationml/2006/main" type="tx" showMasterSp="1" showMasterPhAnim="1">
+<p:sldLayout xmlns:a="http://schemas.openxmlformats.org/drawingml/2006/main" xmlns:r="http://schemas.openxmlformats.org/officeDocument/2006/relationships" xmlns:p="http://schemas.openxmlformats.org/presentationml/2006/main" type="tx">
   <p:cSld name="空白">
     <p:spTree>
       <p:nvGrpSpPr>
@@ -2902,7 +3003,9 @@
       <p:sp>
         <p:nvSpPr>
           <p:cNvPr id="83" name="幻燈片編號"/>
-          <p:cNvSpPr txBox="1"/>
+          <p:cNvSpPr txBox="1">
+            <a:spLocks noGrp="1"/>
+          </p:cNvSpPr>
           <p:nvPr>
             <p:ph type="sldNum" sz="quarter" idx="2"/>
           </p:nvPr>
@@ -2916,8 +3019,10 @@
           <a:bodyPr/>
           <a:lstStyle/>
           <a:p>
-            <a:pPr/>
-            <a:fld id="{86CB4B4D-7CA3-9044-876B-883B54F8677D}" type="slidenum"/>
+            <a:fld id="{86CB4B4D-7CA3-9044-876B-883B54F8677D}" type="slidenum">
+              <a:t>‹#›</a:t>
+            </a:fld>
+            <a:endParaRPr/>
           </a:p>
         </p:txBody>
       </p:sp>
@@ -2926,12 +3031,12 @@
   <p:clrMapOvr>
     <a:masterClrMapping/>
   </p:clrMapOvr>
-  <p:transition xmlns:p14="http://schemas.microsoft.com/office/powerpoint/2010/main" spd="med" advClick="1"/>
+  <p:transition spd="med"/>
 </p:sldLayout>
 </file>
 
 <file path=ppt/slideLayouts/slideLayout9.xml><?xml version="1.0" encoding="utf-8"?>
-<p:sldLayout xmlns:a="http://schemas.openxmlformats.org/drawingml/2006/main" xmlns:r="http://schemas.openxmlformats.org/officeDocument/2006/relationships" xmlns:p="http://schemas.openxmlformats.org/presentationml/2006/main" type="tx" showMasterSp="1" showMasterPhAnim="1">
+<p:sldLayout xmlns:a="http://schemas.openxmlformats.org/drawingml/2006/main" xmlns:r="http://schemas.openxmlformats.org/officeDocument/2006/relationships" xmlns:p="http://schemas.openxmlformats.org/presentationml/2006/main" type="tx">
   <p:cSld name="含標題的內容">
     <p:spTree>
       <p:nvGrpSpPr>
@@ -2950,7 +3055,9 @@
       <p:sp>
         <p:nvSpPr>
           <p:cNvPr id="90" name="大標題文字"/>
-          <p:cNvSpPr txBox="1"/>
+          <p:cNvSpPr txBox="1">
+            <a:spLocks noGrp="1"/>
+          </p:cNvSpPr>
           <p:nvPr>
             <p:ph type="title"/>
           </p:nvPr>
@@ -2968,7 +3075,6 @@
           <a:bodyPr/>
           <a:lstStyle/>
           <a:p>
-            <a:pPr/>
             <a:r>
               <a:t>大標題文字</a:t>
             </a:r>
@@ -2978,7 +3084,9 @@
       <p:sp>
         <p:nvSpPr>
           <p:cNvPr id="91" name="內文層級一…"/>
-          <p:cNvSpPr txBox="1"/>
+          <p:cNvSpPr txBox="1">
+            <a:spLocks noGrp="1"/>
+          </p:cNvSpPr>
           <p:nvPr>
             <p:ph type="body" sz="half" idx="1"/>
           </p:nvPr>
@@ -3012,7 +3120,6 @@
             </a:lvl5pPr>
           </a:lstStyle>
           <a:p>
-            <a:pPr/>
             <a:r>
               <a:t>內文層級一</a:t>
             </a:r>
@@ -3046,7 +3153,9 @@
       <p:sp>
         <p:nvSpPr>
           <p:cNvPr id="92" name="Text Placeholder 3"/>
-          <p:cNvSpPr/>
+          <p:cNvSpPr>
+            <a:spLocks noGrp="1"/>
+          </p:cNvSpPr>
           <p:nvPr>
             <p:ph type="body" sz="half" idx="13"/>
           </p:nvPr>
@@ -3073,13 +3182,16 @@
               <a:buNone/>
               <a:defRPr sz="1800"/>
             </a:pPr>
+            <a:endParaRPr/>
           </a:p>
         </p:txBody>
       </p:sp>
       <p:sp>
         <p:nvSpPr>
           <p:cNvPr id="93" name="幻燈片編號"/>
-          <p:cNvSpPr txBox="1"/>
+          <p:cNvSpPr txBox="1">
+            <a:spLocks noGrp="1"/>
+          </p:cNvSpPr>
           <p:nvPr>
             <p:ph type="sldNum" sz="quarter" idx="2"/>
           </p:nvPr>
@@ -3093,8 +3205,10 @@
           <a:bodyPr/>
           <a:lstStyle/>
           <a:p>
-            <a:pPr/>
-            <a:fld id="{86CB4B4D-7CA3-9044-876B-883B54F8677D}" type="slidenum"/>
+            <a:fld id="{86CB4B4D-7CA3-9044-876B-883B54F8677D}" type="slidenum">
+              <a:t>‹#›</a:t>
+            </a:fld>
+            <a:endParaRPr/>
           </a:p>
         </p:txBody>
       </p:sp>
@@ -3103,7 +3217,7 @@
   <p:clrMapOvr>
     <a:masterClrMapping/>
   </p:clrMapOvr>
-  <p:transition xmlns:p14="http://schemas.microsoft.com/office/powerpoint/2010/main" spd="med" advClick="1"/>
+  <p:transition spd="med"/>
 </p:sldLayout>
 </file>
 
@@ -3115,6 +3229,7 @@
         <a:solidFill>
           <a:srgbClr val="FFFFFF"/>
         </a:solidFill>
+        <a:effectLst/>
       </p:bgPr>
     </p:bg>
     <p:spTree>
@@ -3163,6 +3278,7 @@
                 </a:solidFill>
               </a:defRPr>
             </a:pPr>
+            <a:endParaRPr/>
           </a:p>
         </p:txBody>
       </p:sp>
@@ -3198,13 +3314,16 @@
                 </a:solidFill>
               </a:defRPr>
             </a:pPr>
+            <a:endParaRPr/>
           </a:p>
         </p:txBody>
       </p:sp>
       <p:sp>
         <p:nvSpPr>
           <p:cNvPr id="4" name="大標題文字"/>
-          <p:cNvSpPr txBox="1"/>
+          <p:cNvSpPr txBox="1">
+            <a:spLocks noGrp="1"/>
+          </p:cNvSpPr>
           <p:nvPr>
             <p:ph type="title"/>
           </p:nvPr>
@@ -3225,17 +3344,16 @@
           </a:ln>
           <a:extLst>
             <a:ext uri="{C572A759-6A51-4108-AA02-DFA0A04FC94B}">
-              <ma14:wrappingTextBoxFlag xmlns:ma14="http://schemas.microsoft.com/office/mac/drawingml/2011/main" val="1"/>
+              <ma14:wrappingTextBoxFlag xmlns:ma14="http://schemas.microsoft.com/office/mac/drawingml/2011/main" xmlns="" val="1"/>
             </a:ext>
           </a:extLst>
         </p:spPr>
         <p:txBody>
           <a:bodyPr lIns="45719" rIns="45719" anchor="ctr">
-            <a:normAutofit fontScale="100000" lnSpcReduction="0"/>
+            <a:normAutofit/>
           </a:bodyPr>
           <a:lstStyle/>
           <a:p>
-            <a:pPr/>
             <a:r>
               <a:t>大標題文字</a:t>
             </a:r>
@@ -3245,7 +3363,9 @@
       <p:sp>
         <p:nvSpPr>
           <p:cNvPr id="5" name="內文層級一…"/>
-          <p:cNvSpPr txBox="1"/>
+          <p:cNvSpPr txBox="1">
+            <a:spLocks noGrp="1"/>
+          </p:cNvSpPr>
           <p:nvPr>
             <p:ph type="body" idx="1"/>
           </p:nvPr>
@@ -3263,17 +3383,16 @@
           </a:ln>
           <a:extLst>
             <a:ext uri="{C572A759-6A51-4108-AA02-DFA0A04FC94B}">
-              <ma14:wrappingTextBoxFlag xmlns:ma14="http://schemas.microsoft.com/office/mac/drawingml/2011/main" val="1"/>
+              <ma14:wrappingTextBoxFlag xmlns:ma14="http://schemas.microsoft.com/office/mac/drawingml/2011/main" xmlns="" val="1"/>
             </a:ext>
           </a:extLst>
         </p:spPr>
         <p:txBody>
           <a:bodyPr lIns="45719" rIns="45719">
-            <a:normAutofit fontScale="100000" lnSpcReduction="0"/>
+            <a:normAutofit/>
           </a:bodyPr>
           <a:lstStyle/>
           <a:p>
-            <a:pPr/>
             <a:r>
               <a:t>內文層級一</a:t>
             </a:r>
@@ -3307,7 +3426,9 @@
       <p:sp>
         <p:nvSpPr>
           <p:cNvPr id="6" name="幻燈片編號"/>
-          <p:cNvSpPr txBox="1"/>
+          <p:cNvSpPr txBox="1">
+            <a:spLocks noGrp="1"/>
+          </p:cNvSpPr>
           <p:nvPr>
             <p:ph type="sldNum" sz="quarter" idx="2"/>
           </p:nvPr>
@@ -3338,8 +3459,10 @@
             </a:lvl1pPr>
           </a:lstStyle>
           <a:p>
-            <a:pPr/>
-            <a:fld id="{86CB4B4D-7CA3-9044-876B-883B54F8677D}" type="slidenum"/>
+            <a:fld id="{86CB4B4D-7CA3-9044-876B-883B54F8677D}" type="slidenum">
+              <a:t>‹#›</a:t>
+            </a:fld>
+            <a:endParaRPr/>
           </a:p>
         </p:txBody>
       </p:sp>
@@ -3347,23 +3470,23 @@
   </p:cSld>
   <p:clrMap bg1="lt1" tx1="dk1" bg2="lt2" tx2="dk2" accent1="accent1" accent2="accent2" accent3="accent3" accent4="accent4" accent5="accent5" accent6="accent6" hlink="hlink" folHlink="folHlink"/>
   <p:sldLayoutIdLst>
-    <p:sldLayoutId id="2147483649" r:id="rId2"/>
-    <p:sldLayoutId id="2147483650" r:id="rId3"/>
-    <p:sldLayoutId id="2147483651" r:id="rId4"/>
-    <p:sldLayoutId id="2147483652" r:id="rId5"/>
-    <p:sldLayoutId id="2147483653" r:id="rId6"/>
-    <p:sldLayoutId id="2147483654" r:id="rId7"/>
-    <p:sldLayoutId id="2147483655" r:id="rId8"/>
-    <p:sldLayoutId id="2147483656" r:id="rId9"/>
-    <p:sldLayoutId id="2147483657" r:id="rId10"/>
-    <p:sldLayoutId id="2147483658" r:id="rId11"/>
-    <p:sldLayoutId id="2147483659" r:id="rId12"/>
-    <p:sldLayoutId id="2147483660" r:id="rId13"/>
-    <p:sldLayoutId id="2147483661" r:id="rId14"/>
-    <p:sldLayoutId id="2147483662" r:id="rId15"/>
-    <p:sldLayoutId id="2147483663" r:id="rId16"/>
+    <p:sldLayoutId id="2147483649" r:id="rId1"/>
+    <p:sldLayoutId id="2147483650" r:id="rId2"/>
+    <p:sldLayoutId id="2147483651" r:id="rId3"/>
+    <p:sldLayoutId id="2147483652" r:id="rId4"/>
+    <p:sldLayoutId id="2147483653" r:id="rId5"/>
+    <p:sldLayoutId id="2147483654" r:id="rId6"/>
+    <p:sldLayoutId id="2147483655" r:id="rId7"/>
+    <p:sldLayoutId id="2147483656" r:id="rId8"/>
+    <p:sldLayoutId id="2147483657" r:id="rId9"/>
+    <p:sldLayoutId id="2147483658" r:id="rId10"/>
+    <p:sldLayoutId id="2147483659" r:id="rId11"/>
+    <p:sldLayoutId id="2147483660" r:id="rId12"/>
+    <p:sldLayoutId id="2147483661" r:id="rId13"/>
+    <p:sldLayoutId id="2147483662" r:id="rId14"/>
+    <p:sldLayoutId id="2147483663" r:id="rId15"/>
   </p:sldLayoutIdLst>
-  <p:transition xmlns:p14="http://schemas.microsoft.com/office/powerpoint/2010/main" spd="med" advClick="1"/>
+  <p:transition spd="med"/>
   <p:txStyles>
     <p:titleStyle>
       <a:lvl1pPr marL="0" marR="0" indent="0" algn="l" defTabSz="914400" rtl="0" latinLnBrk="0">
@@ -3381,7 +3504,7 @@
         <a:buFontTx/>
         <a:buNone/>
         <a:tabLst/>
-        <a:defRPr b="0" baseline="0" cap="none" i="0" spc="0" strike="noStrike" sz="3600" u="none">
+        <a:defRPr sz="3600" b="0" i="0" u="none" strike="noStrike" cap="none" spc="0" baseline="0">
           <a:ln>
             <a:noFill/>
           </a:ln>
@@ -3410,7 +3533,7 @@
         <a:buFontTx/>
         <a:buNone/>
         <a:tabLst/>
-        <a:defRPr b="0" baseline="0" cap="none" i="0" spc="0" strike="noStrike" sz="3600" u="none">
+        <a:defRPr sz="3600" b="0" i="0" u="none" strike="noStrike" cap="none" spc="0" baseline="0">
           <a:ln>
             <a:noFill/>
           </a:ln>
@@ -3439,7 +3562,7 @@
         <a:buFontTx/>
         <a:buNone/>
         <a:tabLst/>
-        <a:defRPr b="0" baseline="0" cap="none" i="0" spc="0" strike="noStrike" sz="3600" u="none">
+        <a:defRPr sz="3600" b="0" i="0" u="none" strike="noStrike" cap="none" spc="0" baseline="0">
           <a:ln>
             <a:noFill/>
           </a:ln>
@@ -3468,7 +3591,7 @@
         <a:buFontTx/>
         <a:buNone/>
         <a:tabLst/>
-        <a:defRPr b="0" baseline="0" cap="none" i="0" spc="0" strike="noStrike" sz="3600" u="none">
+        <a:defRPr sz="3600" b="0" i="0" u="none" strike="noStrike" cap="none" spc="0" baseline="0">
           <a:ln>
             <a:noFill/>
           </a:ln>
@@ -3497,7 +3620,7 @@
         <a:buFontTx/>
         <a:buNone/>
         <a:tabLst/>
-        <a:defRPr b="0" baseline="0" cap="none" i="0" spc="0" strike="noStrike" sz="3600" u="none">
+        <a:defRPr sz="3600" b="0" i="0" u="none" strike="noStrike" cap="none" spc="0" baseline="0">
           <a:ln>
             <a:noFill/>
           </a:ln>
@@ -3526,7 +3649,7 @@
         <a:buFontTx/>
         <a:buNone/>
         <a:tabLst/>
-        <a:defRPr b="0" baseline="0" cap="none" i="0" spc="0" strike="noStrike" sz="3600" u="none">
+        <a:defRPr sz="3600" b="0" i="0" u="none" strike="noStrike" cap="none" spc="0" baseline="0">
           <a:ln>
             <a:noFill/>
           </a:ln>
@@ -3555,7 +3678,7 @@
         <a:buFontTx/>
         <a:buNone/>
         <a:tabLst/>
-        <a:defRPr b="0" baseline="0" cap="none" i="0" spc="0" strike="noStrike" sz="3600" u="none">
+        <a:defRPr sz="3600" b="0" i="0" u="none" strike="noStrike" cap="none" spc="0" baseline="0">
           <a:ln>
             <a:noFill/>
           </a:ln>
@@ -3584,7 +3707,7 @@
         <a:buFontTx/>
         <a:buNone/>
         <a:tabLst/>
-        <a:defRPr b="0" baseline="0" cap="none" i="0" spc="0" strike="noStrike" sz="3600" u="none">
+        <a:defRPr sz="3600" b="0" i="0" u="none" strike="noStrike" cap="none" spc="0" baseline="0">
           <a:ln>
             <a:noFill/>
           </a:ln>
@@ -3613,7 +3736,7 @@
         <a:buFontTx/>
         <a:buNone/>
         <a:tabLst/>
-        <a:defRPr b="0" baseline="0" cap="none" i="0" spc="0" strike="noStrike" sz="3600" u="none">
+        <a:defRPr sz="3600" b="0" i="0" u="none" strike="noStrike" cap="none" spc="0" baseline="0">
           <a:ln>
             <a:noFill/>
           </a:ln>
@@ -3646,7 +3769,7 @@
         <a:buFontTx/>
         <a:buChar char=""/>
         <a:tabLst/>
-        <a:defRPr b="0" baseline="0" cap="none" i="0" spc="0" strike="noStrike" sz="2000" u="none">
+        <a:defRPr sz="2000" b="0" i="0" u="none" strike="noStrike" cap="none" spc="0" baseline="0">
           <a:ln>
             <a:noFill/>
           </a:ln>
@@ -3677,7 +3800,7 @@
         <a:buFontTx/>
         <a:buChar char=""/>
         <a:tabLst/>
-        <a:defRPr b="0" baseline="0" cap="none" i="0" spc="0" strike="noStrike" sz="2000" u="none">
+        <a:defRPr sz="2000" b="0" i="0" u="none" strike="noStrike" cap="none" spc="0" baseline="0">
           <a:ln>
             <a:noFill/>
           </a:ln>
@@ -3708,7 +3831,7 @@
         <a:buFontTx/>
         <a:buChar char=""/>
         <a:tabLst/>
-        <a:defRPr b="0" baseline="0" cap="none" i="0" spc="0" strike="noStrike" sz="2000" u="none">
+        <a:defRPr sz="2000" b="0" i="0" u="none" strike="noStrike" cap="none" spc="0" baseline="0">
           <a:ln>
             <a:noFill/>
           </a:ln>
@@ -3739,7 +3862,7 @@
         <a:buFontTx/>
         <a:buChar char=""/>
         <a:tabLst/>
-        <a:defRPr b="0" baseline="0" cap="none" i="0" spc="0" strike="noStrike" sz="2000" u="none">
+        <a:defRPr sz="2000" b="0" i="0" u="none" strike="noStrike" cap="none" spc="0" baseline="0">
           <a:ln>
             <a:noFill/>
           </a:ln>
@@ -3770,7 +3893,7 @@
         <a:buFontTx/>
         <a:buChar char=""/>
         <a:tabLst/>
-        <a:defRPr b="0" baseline="0" cap="none" i="0" spc="0" strike="noStrike" sz="2000" u="none">
+        <a:defRPr sz="2000" b="0" i="0" u="none" strike="noStrike" cap="none" spc="0" baseline="0">
           <a:ln>
             <a:noFill/>
           </a:ln>
@@ -3801,7 +3924,7 @@
         <a:buFontTx/>
         <a:buChar char=""/>
         <a:tabLst/>
-        <a:defRPr b="0" baseline="0" cap="none" i="0" spc="0" strike="noStrike" sz="2000" u="none">
+        <a:defRPr sz="2000" b="0" i="0" u="none" strike="noStrike" cap="none" spc="0" baseline="0">
           <a:ln>
             <a:noFill/>
           </a:ln>
@@ -3832,7 +3955,7 @@
         <a:buFontTx/>
         <a:buChar char=""/>
         <a:tabLst/>
-        <a:defRPr b="0" baseline="0" cap="none" i="0" spc="0" strike="noStrike" sz="2000" u="none">
+        <a:defRPr sz="2000" b="0" i="0" u="none" strike="noStrike" cap="none" spc="0" baseline="0">
           <a:ln>
             <a:noFill/>
           </a:ln>
@@ -3863,7 +3986,7 @@
         <a:buFontTx/>
         <a:buChar char=""/>
         <a:tabLst/>
-        <a:defRPr b="0" baseline="0" cap="none" i="0" spc="0" strike="noStrike" sz="2000" u="none">
+        <a:defRPr sz="2000" b="0" i="0" u="none" strike="noStrike" cap="none" spc="0" baseline="0">
           <a:ln>
             <a:noFill/>
           </a:ln>
@@ -3894,7 +4017,7 @@
         <a:buFontTx/>
         <a:buChar char=""/>
         <a:tabLst/>
-        <a:defRPr b="0" baseline="0" cap="none" i="0" spc="0" strike="noStrike" sz="2000" u="none">
+        <a:defRPr sz="2000" b="0" i="0" u="none" strike="noStrike" cap="none" spc="0" baseline="0">
           <a:ln>
             <a:noFill/>
           </a:ln>
@@ -3925,7 +4048,7 @@
         <a:buFontTx/>
         <a:buNone/>
         <a:tabLst/>
-        <a:defRPr b="0" baseline="0" cap="none" i="0" spc="0" strike="noStrike" sz="800" u="none">
+        <a:defRPr sz="800" b="0" i="0" u="none" strike="noStrike" cap="none" spc="0" baseline="0">
           <a:ln>
             <a:noFill/>
           </a:ln>
@@ -3954,7 +4077,7 @@
         <a:buFontTx/>
         <a:buNone/>
         <a:tabLst/>
-        <a:defRPr b="0" baseline="0" cap="none" i="0" spc="0" strike="noStrike" sz="800" u="none">
+        <a:defRPr sz="800" b="0" i="0" u="none" strike="noStrike" cap="none" spc="0" baseline="0">
           <a:ln>
             <a:noFill/>
           </a:ln>
@@ -3983,7 +4106,7 @@
         <a:buFontTx/>
         <a:buNone/>
         <a:tabLst/>
-        <a:defRPr b="0" baseline="0" cap="none" i="0" spc="0" strike="noStrike" sz="800" u="none">
+        <a:defRPr sz="800" b="0" i="0" u="none" strike="noStrike" cap="none" spc="0" baseline="0">
           <a:ln>
             <a:noFill/>
           </a:ln>
@@ -4012,7 +4135,7 @@
         <a:buFontTx/>
         <a:buNone/>
         <a:tabLst/>
-        <a:defRPr b="0" baseline="0" cap="none" i="0" spc="0" strike="noStrike" sz="800" u="none">
+        <a:defRPr sz="800" b="0" i="0" u="none" strike="noStrike" cap="none" spc="0" baseline="0">
           <a:ln>
             <a:noFill/>
           </a:ln>
@@ -4041,7 +4164,7 @@
         <a:buFontTx/>
         <a:buNone/>
         <a:tabLst/>
-        <a:defRPr b="0" baseline="0" cap="none" i="0" spc="0" strike="noStrike" sz="800" u="none">
+        <a:defRPr sz="800" b="0" i="0" u="none" strike="noStrike" cap="none" spc="0" baseline="0">
           <a:ln>
             <a:noFill/>
           </a:ln>
@@ -4070,7 +4193,7 @@
         <a:buFontTx/>
         <a:buNone/>
         <a:tabLst/>
-        <a:defRPr b="0" baseline="0" cap="none" i="0" spc="0" strike="noStrike" sz="800" u="none">
+        <a:defRPr sz="800" b="0" i="0" u="none" strike="noStrike" cap="none" spc="0" baseline="0">
           <a:ln>
             <a:noFill/>
           </a:ln>
@@ -4099,7 +4222,7 @@
         <a:buFontTx/>
         <a:buNone/>
         <a:tabLst/>
-        <a:defRPr b="0" baseline="0" cap="none" i="0" spc="0" strike="noStrike" sz="800" u="none">
+        <a:defRPr sz="800" b="0" i="0" u="none" strike="noStrike" cap="none" spc="0" baseline="0">
           <a:ln>
             <a:noFill/>
           </a:ln>
@@ -4128,7 +4251,7 @@
         <a:buFontTx/>
         <a:buNone/>
         <a:tabLst/>
-        <a:defRPr b="0" baseline="0" cap="none" i="0" spc="0" strike="noStrike" sz="800" u="none">
+        <a:defRPr sz="800" b="0" i="0" u="none" strike="noStrike" cap="none" spc="0" baseline="0">
           <a:ln>
             <a:noFill/>
           </a:ln>
@@ -4157,7 +4280,7 @@
         <a:buFontTx/>
         <a:buNone/>
         <a:tabLst/>
-        <a:defRPr b="0" baseline="0" cap="none" i="0" spc="0" strike="noStrike" sz="800" u="none">
+        <a:defRPr sz="800" b="0" i="0" u="none" strike="noStrike" cap="none" spc="0" baseline="0">
           <a:ln>
             <a:noFill/>
           </a:ln>
@@ -4177,7 +4300,7 @@
 </file>
 
 <file path=ppt/slides/slide1.xml><?xml version="1.0" encoding="utf-8"?>
-<p:sld xmlns:a="http://schemas.openxmlformats.org/drawingml/2006/main" xmlns:r="http://schemas.openxmlformats.org/officeDocument/2006/relationships" xmlns:p="http://schemas.openxmlformats.org/presentationml/2006/main" showMasterSp="1" showMasterPhAnim="1">
+<p:sld xmlns:a="http://schemas.openxmlformats.org/drawingml/2006/main" xmlns:r="http://schemas.openxmlformats.org/officeDocument/2006/relationships" xmlns:p="http://schemas.openxmlformats.org/presentationml/2006/main">
   <p:cSld>
     <p:spTree>
       <p:nvGrpSpPr>
@@ -4196,7 +4319,9 @@
       <p:sp>
         <p:nvSpPr>
           <p:cNvPr id="163" name="標題 1"/>
-          <p:cNvSpPr txBox="1"/>
+          <p:cNvSpPr txBox="1">
+            <a:spLocks noGrp="1"/>
+          </p:cNvSpPr>
           <p:nvPr>
             <p:ph type="ctrTitle"/>
           </p:nvPr>
@@ -4214,7 +4339,6 @@
           <a:bodyPr/>
           <a:lstStyle/>
           <a:p>
-            <a:pPr/>
             <a:r>
               <a:t>HW3</a:t>
             </a:r>
@@ -4224,7 +4348,9 @@
       <p:sp>
         <p:nvSpPr>
           <p:cNvPr id="164" name="子標題 2"/>
-          <p:cNvSpPr txBox="1"/>
+          <p:cNvSpPr txBox="1">
+            <a:spLocks noGrp="1"/>
+          </p:cNvSpPr>
           <p:nvPr>
             <p:ph type="subTitle" idx="1"/>
           </p:nvPr>
@@ -4242,7 +4368,7 @@
           <a:bodyPr/>
           <a:lstStyle/>
           <a:p>
-            <a:pPr/>
+            <a:endParaRPr/>
           </a:p>
         </p:txBody>
       </p:sp>
@@ -4251,12 +4377,12 @@
   <p:clrMapOvr>
     <a:masterClrMapping/>
   </p:clrMapOvr>
-  <p:transition xmlns:p14="http://schemas.microsoft.com/office/powerpoint/2010/main" spd="med" advClick="1"/>
+  <p:transition spd="med"/>
 </p:sld>
 </file>
 
 <file path=ppt/slides/slide2.xml><?xml version="1.0" encoding="utf-8"?>
-<p:sld xmlns:a="http://schemas.openxmlformats.org/drawingml/2006/main" xmlns:r="http://schemas.openxmlformats.org/officeDocument/2006/relationships" xmlns:p="http://schemas.openxmlformats.org/presentationml/2006/main" showMasterSp="1" showMasterPhAnim="1">
+<p:sld xmlns:a="http://schemas.openxmlformats.org/drawingml/2006/main" xmlns:r="http://schemas.openxmlformats.org/officeDocument/2006/relationships" xmlns:p="http://schemas.openxmlformats.org/presentationml/2006/main">
   <p:cSld>
     <p:spTree>
       <p:nvGrpSpPr>
@@ -4275,7 +4401,9 @@
       <p:sp>
         <p:nvSpPr>
           <p:cNvPr id="166" name="標題 1"/>
-          <p:cNvSpPr txBox="1"/>
+          <p:cNvSpPr txBox="1">
+            <a:spLocks noGrp="1"/>
+          </p:cNvSpPr>
           <p:nvPr>
             <p:ph type="title"/>
           </p:nvPr>
@@ -4293,7 +4421,6 @@
           <a:bodyPr/>
           <a:lstStyle/>
           <a:p>
-            <a:pPr/>
             <a:r>
               <a:t>Outline</a:t>
             </a:r>
@@ -4303,7 +4430,9 @@
       <p:sp>
         <p:nvSpPr>
           <p:cNvPr id="167" name="內容版面配置區 2"/>
-          <p:cNvSpPr txBox="1"/>
+          <p:cNvSpPr txBox="1">
+            <a:spLocks noGrp="1"/>
+          </p:cNvSpPr>
           <p:nvPr>
             <p:ph type="body" idx="1"/>
           </p:nvPr>
@@ -4321,13 +4450,11 @@
           <a:bodyPr/>
           <a:lstStyle/>
           <a:p>
-            <a:pPr/>
             <a:r>
               <a:t>Writing a program that can send HTTP Request to URL, and show the number of appearance of the key word within that web </a:t>
             </a:r>
           </a:p>
           <a:p>
-            <a:pPr/>
             <a:r>
               <a:t>Case insensitive</a:t>
             </a:r>
@@ -4359,12 +4486,12 @@
   <p:clrMapOvr>
     <a:masterClrMapping/>
   </p:clrMapOvr>
-  <p:transition xmlns:p14="http://schemas.microsoft.com/office/powerpoint/2010/main" spd="med" advClick="1"/>
+  <p:transition spd="med"/>
 </p:sld>
 </file>
 
 <file path=ppt/slides/slide3.xml><?xml version="1.0" encoding="utf-8"?>
-<p:sld xmlns:a="http://schemas.openxmlformats.org/drawingml/2006/main" xmlns:r="http://schemas.openxmlformats.org/officeDocument/2006/relationships" xmlns:p="http://schemas.openxmlformats.org/presentationml/2006/main" showMasterSp="1" showMasterPhAnim="1">
+<p:sld xmlns:a="http://schemas.openxmlformats.org/drawingml/2006/main" xmlns:r="http://schemas.openxmlformats.org/officeDocument/2006/relationships" xmlns:p="http://schemas.openxmlformats.org/presentationml/2006/main">
   <p:cSld>
     <p:spTree>
       <p:nvGrpSpPr>
@@ -4383,7 +4510,9 @@
       <p:sp>
         <p:nvSpPr>
           <p:cNvPr id="169" name="標題 1"/>
-          <p:cNvSpPr txBox="1"/>
+          <p:cNvSpPr txBox="1">
+            <a:spLocks noGrp="1"/>
+          </p:cNvSpPr>
           <p:nvPr>
             <p:ph type="title"/>
           </p:nvPr>
@@ -4401,7 +4530,6 @@
           <a:bodyPr/>
           <a:lstStyle/>
           <a:p>
-            <a:pPr/>
             <a:r>
               <a:t>Input Format</a:t>
             </a:r>
@@ -4411,7 +4539,9 @@
       <p:sp>
         <p:nvSpPr>
           <p:cNvPr id="170" name="內容版面配置區 2"/>
-          <p:cNvSpPr txBox="1"/>
+          <p:cNvSpPr txBox="1">
+            <a:spLocks noGrp="1"/>
+          </p:cNvSpPr>
           <p:nvPr>
             <p:ph type="body" sz="quarter" idx="1"/>
           </p:nvPr>
@@ -4429,7 +4559,6 @@
           <a:bodyPr/>
           <a:lstStyle/>
           <a:p>
-            <a:pPr/>
             <a:r>
               <a:t>Keyword to search</a:t>
             </a:r>
@@ -4455,13 +4584,13 @@
           </a:ln>
           <a:extLst>
             <a:ext uri="{C572A759-6A51-4108-AA02-DFA0A04FC94B}">
-              <ma14:wrappingTextBoxFlag xmlns:ma14="http://schemas.microsoft.com/office/mac/drawingml/2011/main" val="1"/>
+              <ma14:wrappingTextBoxFlag xmlns:ma14="http://schemas.microsoft.com/office/mac/drawingml/2011/main" xmlns="" val="1"/>
             </a:ext>
           </a:extLst>
         </p:spPr>
         <p:txBody>
           <a:bodyPr lIns="45719" rIns="45719">
-            <a:normAutofit fontScale="100000" lnSpcReduction="0"/>
+            <a:normAutofit/>
           </a:bodyPr>
           <a:lstStyle>
             <a:lvl1pPr marL="342900" indent="-342900" defTabSz="914400">
@@ -4481,7 +4610,6 @@
             </a:lvl1pPr>
           </a:lstStyle>
           <a:p>
-            <a:pPr/>
             <a:r>
               <a:t>URL of a web</a:t>
             </a:r>
@@ -4507,13 +4635,13 @@
           </a:ln>
           <a:extLst>
             <a:ext uri="{C572A759-6A51-4108-AA02-DFA0A04FC94B}">
-              <ma14:wrappingTextBoxFlag xmlns:ma14="http://schemas.microsoft.com/office/mac/drawingml/2011/main" val="1"/>
+              <ma14:wrappingTextBoxFlag xmlns:ma14="http://schemas.microsoft.com/office/mac/drawingml/2011/main" xmlns="" val="1"/>
             </a:ext>
           </a:extLst>
         </p:spPr>
         <p:txBody>
           <a:bodyPr lIns="45719" rIns="45719">
-            <a:normAutofit fontScale="100000" lnSpcReduction="0"/>
+            <a:normAutofit/>
           </a:bodyPr>
           <a:lstStyle/>
           <a:p>
@@ -4537,7 +4665,7 @@
             </a:r>
           </a:p>
           <a:p>
-            <a:pPr lvl="1" marL="685800" indent="-336550" defTabSz="914400">
+            <a:pPr marL="685800" lvl="1" indent="-336550" defTabSz="914400">
               <a:spcBef>
                 <a:spcPts val="600"/>
               </a:spcBef>
@@ -4562,13 +4690,13 @@
                     <a:srgbClr val="8DA440"/>
                   </a:solidFill>
                 </a:uFill>
-                <a:hlinkClick r:id="rId2" invalidUrl="" action="" tgtFrame="" tooltip="" history="1" highlightClick="0" endSnd="0"/>
+                <a:hlinkClick r:id="rId2"/>
               </a:rPr>
               <a:t>http://soslab.nccu.edu.tw/Welcome.html</a:t>
             </a:r>
           </a:p>
           <a:p>
-            <a:pPr lvl="1" marL="685800" indent="-336550" defTabSz="914400">
+            <a:pPr marL="685800" lvl="1" indent="-336550" defTabSz="914400">
               <a:spcBef>
                 <a:spcPts val="600"/>
               </a:spcBef>
@@ -4594,12 +4722,12 @@
   <p:clrMapOvr>
     <a:masterClrMapping/>
   </p:clrMapOvr>
-  <p:transition xmlns:p14="http://schemas.microsoft.com/office/powerpoint/2010/main" spd="med" advClick="1"/>
+  <p:transition spd="med"/>
 </p:sld>
 </file>
 
 <file path=ppt/slides/slide4.xml><?xml version="1.0" encoding="utf-8"?>
-<p:sld xmlns:a="http://schemas.openxmlformats.org/drawingml/2006/main" xmlns:r="http://schemas.openxmlformats.org/officeDocument/2006/relationships" xmlns:p="http://schemas.openxmlformats.org/presentationml/2006/main" showMasterSp="1" showMasterPhAnim="1">
+<p:sld xmlns:a="http://schemas.openxmlformats.org/drawingml/2006/main" xmlns:r="http://schemas.openxmlformats.org/officeDocument/2006/relationships" xmlns:p="http://schemas.openxmlformats.org/presentationml/2006/main">
   <p:cSld>
     <p:spTree>
       <p:nvGrpSpPr>
@@ -4618,7 +4746,9 @@
       <p:sp>
         <p:nvSpPr>
           <p:cNvPr id="174" name="標題 1"/>
-          <p:cNvSpPr txBox="1"/>
+          <p:cNvSpPr txBox="1">
+            <a:spLocks noGrp="1"/>
+          </p:cNvSpPr>
           <p:nvPr>
             <p:ph type="title"/>
           </p:nvPr>
@@ -4636,7 +4766,6 @@
           <a:bodyPr/>
           <a:lstStyle/>
           <a:p>
-            <a:pPr/>
             <a:r>
               <a:t>Output Format</a:t>
             </a:r>
@@ -4662,13 +4791,13 @@
           </a:ln>
           <a:extLst>
             <a:ext uri="{C572A759-6A51-4108-AA02-DFA0A04FC94B}">
-              <ma14:wrappingTextBoxFlag xmlns:ma14="http://schemas.microsoft.com/office/mac/drawingml/2011/main" val="1"/>
+              <ma14:wrappingTextBoxFlag xmlns:ma14="http://schemas.microsoft.com/office/mac/drawingml/2011/main" xmlns="" val="1"/>
             </a:ext>
           </a:extLst>
         </p:spPr>
         <p:txBody>
           <a:bodyPr lIns="45719" rIns="45719">
-            <a:normAutofit fontScale="100000" lnSpcReduction="0"/>
+            <a:normAutofit/>
           </a:bodyPr>
           <a:lstStyle>
             <a:lvl1pPr marL="342900" indent="-342900" defTabSz="914400">
@@ -4688,7 +4817,6 @@
             </a:lvl1pPr>
           </a:lstStyle>
           <a:p>
-            <a:pPr/>
             <a:r>
               <a:t>Number of appearance</a:t>
             </a:r>
@@ -4714,13 +4842,13 @@
           </a:ln>
           <a:extLst>
             <a:ext uri="{C572A759-6A51-4108-AA02-DFA0A04FC94B}">
-              <ma14:wrappingTextBoxFlag xmlns:ma14="http://schemas.microsoft.com/office/mac/drawingml/2011/main" val="1"/>
+              <ma14:wrappingTextBoxFlag xmlns:ma14="http://schemas.microsoft.com/office/mac/drawingml/2011/main" xmlns="" val="1"/>
             </a:ext>
           </a:extLst>
         </p:spPr>
         <p:txBody>
           <a:bodyPr lIns="45719" rIns="45719">
-            <a:normAutofit fontScale="100000" lnSpcReduction="0"/>
+            <a:normAutofit/>
           </a:bodyPr>
           <a:lstStyle>
             <a:lvl1pPr marL="342900" indent="-342900" defTabSz="914400">
@@ -4755,7 +4883,6 @@
             </a:lvl2pPr>
           </a:lstStyle>
           <a:p>
-            <a:pPr/>
             <a:r>
               <a:t>Example</a:t>
             </a:r>
@@ -4773,12 +4900,12 @@
   <p:clrMapOvr>
     <a:masterClrMapping/>
   </p:clrMapOvr>
-  <p:transition xmlns:p14="http://schemas.microsoft.com/office/powerpoint/2010/main" spd="med" advClick="1"/>
+  <p:transition spd="med"/>
 </p:sld>
 </file>
 
 <file path=ppt/slides/slide5.xml><?xml version="1.0" encoding="utf-8"?>
-<p:sld xmlns:a="http://schemas.openxmlformats.org/drawingml/2006/main" xmlns:r="http://schemas.openxmlformats.org/officeDocument/2006/relationships" xmlns:p="http://schemas.openxmlformats.org/presentationml/2006/main" showMasterSp="1" showMasterPhAnim="1">
+<p:sld xmlns:a="http://schemas.openxmlformats.org/drawingml/2006/main" xmlns:r="http://schemas.openxmlformats.org/officeDocument/2006/relationships" xmlns:p="http://schemas.openxmlformats.org/presentationml/2006/main">
   <p:cSld>
     <p:spTree>
       <p:nvGrpSpPr>
@@ -4797,7 +4924,9 @@
       <p:sp>
         <p:nvSpPr>
           <p:cNvPr id="178" name="標題 1"/>
-          <p:cNvSpPr txBox="1"/>
+          <p:cNvSpPr txBox="1">
+            <a:spLocks noGrp="1"/>
+          </p:cNvSpPr>
           <p:nvPr>
             <p:ph type="title"/>
           </p:nvPr>
@@ -4815,7 +4944,6 @@
           <a:bodyPr/>
           <a:lstStyle/>
           <a:p>
-            <a:pPr/>
             <a:r>
               <a:t>Example</a:t>
             </a:r>
@@ -4825,7 +4953,9 @@
       <p:sp>
         <p:nvSpPr>
           <p:cNvPr id="179" name="內容版面配置區 2"/>
-          <p:cNvSpPr txBox="1"/>
+          <p:cNvSpPr txBox="1">
+            <a:spLocks noGrp="1"/>
+          </p:cNvSpPr>
           <p:nvPr>
             <p:ph type="body" sz="half" idx="1"/>
           </p:nvPr>
@@ -4860,6 +4990,7 @@
               </a:lnSpc>
               <a:defRPr sz="1800"/>
             </a:pPr>
+            <a:endParaRPr/>
           </a:p>
           <a:p>
             <a:pPr marL="0" indent="0">
@@ -4871,6 +5002,7 @@
               <a:buNone/>
               <a:defRPr sz="1800"/>
             </a:pPr>
+            <a:endParaRPr/>
           </a:p>
           <a:p>
             <a:pPr>
@@ -4879,6 +5011,7 @@
               </a:lnSpc>
               <a:defRPr sz="1800"/>
             </a:pPr>
+            <a:endParaRPr/>
           </a:p>
           <a:p>
             <a:pPr>
@@ -4887,6 +5020,7 @@
               </a:lnSpc>
               <a:defRPr sz="1800"/>
             </a:pPr>
+            <a:endParaRPr/>
           </a:p>
           <a:p>
             <a:pPr>
@@ -4932,7 +5066,7 @@
           </a:ln>
           <a:extLst>
             <a:ext uri="{C572A759-6A51-4108-AA02-DFA0A04FC94B}">
-              <ma14:wrappingTextBoxFlag xmlns:ma14="http://schemas.microsoft.com/office/mac/drawingml/2011/main" val="1"/>
+              <ma14:wrappingTextBoxFlag xmlns:ma14="http://schemas.microsoft.com/office/mac/drawingml/2011/main" xmlns="" val="1"/>
             </a:ext>
           </a:extLst>
         </p:spPr>
@@ -4979,7 +5113,7 @@
                     <a:srgbClr val="8DA440"/>
                   </a:solidFill>
                 </a:uFill>
-                <a:hlinkClick r:id="rId2" invalidUrl="" action="" tgtFrame="" tooltip="" history="1" highlightClick="0" endSnd="0"/>
+                <a:hlinkClick r:id="rId2"/>
               </a:rPr>
               <a:t>http://soslab.nccu.edu.tw/Welcome.html</a:t>
             </a:r>
@@ -4995,7 +5129,7 @@
         <p:spPr>
           <a:xfrm>
             <a:off x="831272" y="5495825"/>
-            <a:ext cx="7481456" cy="348429"/>
+            <a:ext cx="7481456" cy="369332"/>
           </a:xfrm>
           <a:prstGeom prst="rect">
             <a:avLst/>
@@ -5008,7 +5142,7 @@
           </a:ln>
           <a:extLst>
             <a:ext uri="{C572A759-6A51-4108-AA02-DFA0A04FC94B}">
-              <ma14:wrappingTextBoxFlag xmlns:ma14="http://schemas.microsoft.com/office/mac/drawingml/2011/main" val="1"/>
+              <ma14:wrappingTextBoxFlag xmlns:ma14="http://schemas.microsoft.com/office/mac/drawingml/2011/main" xmlns="" val="1"/>
             </a:ext>
           </a:extLst>
         </p:spPr>
@@ -5030,9 +5164,12 @@
             </a:lvl1pPr>
           </a:lstStyle>
           <a:p>
-            <a:pPr/>
-            <a:r>
-              <a:t>22</a:t>
+            <a:r>
+              <a:t>2</a:t>
+            </a:r>
+            <a:r>
+              <a:rPr lang="en-US" altLang="zh-TW"/>
+              <a:t>6</a:t>
             </a:r>
           </a:p>
         </p:txBody>
@@ -5059,7 +5196,7 @@
           </a:ln>
           <a:extLst>
             <a:ext uri="{C572A759-6A51-4108-AA02-DFA0A04FC94B}">
-              <ma14:wrappingTextBoxFlag xmlns:ma14="http://schemas.microsoft.com/office/mac/drawingml/2011/main" val="1"/>
+              <ma14:wrappingTextBoxFlag xmlns:ma14="http://schemas.microsoft.com/office/mac/drawingml/2011/main" xmlns="" val="1"/>
             </a:ext>
           </a:extLst>
         </p:spPr>
@@ -5107,12 +5244,12 @@
   <p:clrMapOvr>
     <a:masterClrMapping/>
   </p:clrMapOvr>
-  <p:transition xmlns:p14="http://schemas.microsoft.com/office/powerpoint/2010/main" spd="med" advClick="1"/>
+  <p:transition spd="med"/>
 </p:sld>
 </file>
 
 <file path=ppt/theme/theme1.xml><?xml version="1.0" encoding="utf-8"?>
-<a:theme xmlns:a="http://schemas.openxmlformats.org/drawingml/2006/main" xmlns:r="http://schemas.openxmlformats.org/officeDocument/2006/relationships" name="Perception">
+<a:theme xmlns:a="http://schemas.openxmlformats.org/drawingml/2006/main" name="Perception">
   <a:themeElements>
     <a:clrScheme name="Perception">
       <a:dk1>
@@ -5314,7 +5451,7 @@
         <a:effectLst/>
         <a:sp3d/>
       </a:spPr>
-      <a:bodyPr rot="0" spcFirstLastPara="1" vertOverflow="overflow" horzOverflow="overflow" vert="horz" wrap="square" lIns="45719" tIns="45719" rIns="45719" bIns="45719" numCol="1" spcCol="38100" rtlCol="0" anchor="ctr" upright="0">
+      <a:bodyPr rot="0" spcFirstLastPara="1" vertOverflow="overflow" horzOverflow="overflow" vert="horz" wrap="square" lIns="45719" tIns="45719" rIns="45719" bIns="45719" numCol="1" spcCol="38100" rtlCol="0" anchor="ctr">
         <a:spAutoFit/>
       </a:bodyPr>
       <a:lstStyle>
@@ -5333,7 +5470,7 @@
           <a:buFontTx/>
           <a:buNone/>
           <a:tabLst/>
-          <a:defRPr b="0" baseline="0" cap="none" i="0" spc="0" strike="noStrike" sz="1800" u="none" kumimoji="0" normalizeH="0">
+          <a:defRPr kumimoji="0" sz="1800" b="0" i="0" u="none" strike="noStrike" cap="none" spc="0" normalizeH="0" baseline="0">
             <a:ln>
               <a:noFill/>
             </a:ln>
@@ -5363,7 +5500,7 @@
           <a:buFontTx/>
           <a:buNone/>
           <a:tabLst/>
-          <a:defRPr b="0" baseline="0" cap="none" i="0" spc="0" strike="noStrike" sz="1800" u="none" kumimoji="0" normalizeH="0">
+          <a:defRPr kumimoji="0" sz="1800" b="0" i="0" u="none" strike="noStrike" cap="none" spc="0" normalizeH="0" baseline="0">
             <a:ln>
               <a:noFill/>
             </a:ln>
@@ -5389,7 +5526,7 @@
           <a:buFontTx/>
           <a:buNone/>
           <a:tabLst/>
-          <a:defRPr b="0" baseline="0" cap="none" i="0" spc="0" strike="noStrike" sz="1800" u="none" kumimoji="0" normalizeH="0">
+          <a:defRPr kumimoji="0" sz="1800" b="0" i="0" u="none" strike="noStrike" cap="none" spc="0" normalizeH="0" baseline="0">
             <a:ln>
               <a:noFill/>
             </a:ln>
@@ -5415,7 +5552,7 @@
           <a:buFontTx/>
           <a:buNone/>
           <a:tabLst/>
-          <a:defRPr b="0" baseline="0" cap="none" i="0" spc="0" strike="noStrike" sz="1800" u="none" kumimoji="0" normalizeH="0">
+          <a:defRPr kumimoji="0" sz="1800" b="0" i="0" u="none" strike="noStrike" cap="none" spc="0" normalizeH="0" baseline="0">
             <a:ln>
               <a:noFill/>
             </a:ln>
@@ -5441,7 +5578,7 @@
           <a:buFontTx/>
           <a:buNone/>
           <a:tabLst/>
-          <a:defRPr b="0" baseline="0" cap="none" i="0" spc="0" strike="noStrike" sz="1800" u="none" kumimoji="0" normalizeH="0">
+          <a:defRPr kumimoji="0" sz="1800" b="0" i="0" u="none" strike="noStrike" cap="none" spc="0" normalizeH="0" baseline="0">
             <a:ln>
               <a:noFill/>
             </a:ln>
@@ -5467,7 +5604,7 @@
           <a:buFontTx/>
           <a:buNone/>
           <a:tabLst/>
-          <a:defRPr b="0" baseline="0" cap="none" i="0" spc="0" strike="noStrike" sz="1800" u="none" kumimoji="0" normalizeH="0">
+          <a:defRPr kumimoji="0" sz="1800" b="0" i="0" u="none" strike="noStrike" cap="none" spc="0" normalizeH="0" baseline="0">
             <a:ln>
               <a:noFill/>
             </a:ln>
@@ -5493,7 +5630,7 @@
           <a:buFontTx/>
           <a:buNone/>
           <a:tabLst/>
-          <a:defRPr b="0" baseline="0" cap="none" i="0" spc="0" strike="noStrike" sz="1800" u="none" kumimoji="0" normalizeH="0">
+          <a:defRPr kumimoji="0" sz="1800" b="0" i="0" u="none" strike="noStrike" cap="none" spc="0" normalizeH="0" baseline="0">
             <a:ln>
               <a:noFill/>
             </a:ln>
@@ -5519,7 +5656,7 @@
           <a:buFontTx/>
           <a:buNone/>
           <a:tabLst/>
-          <a:defRPr b="0" baseline="0" cap="none" i="0" spc="0" strike="noStrike" sz="1800" u="none" kumimoji="0" normalizeH="0">
+          <a:defRPr kumimoji="0" sz="1800" b="0" i="0" u="none" strike="noStrike" cap="none" spc="0" normalizeH="0" baseline="0">
             <a:ln>
               <a:noFill/>
             </a:ln>
@@ -5545,7 +5682,7 @@
           <a:buFontTx/>
           <a:buNone/>
           <a:tabLst/>
-          <a:defRPr b="0" baseline="0" cap="none" i="0" spc="0" strike="noStrike" sz="1800" u="none" kumimoji="0" normalizeH="0">
+          <a:defRPr kumimoji="0" sz="1800" b="0" i="0" u="none" strike="noStrike" cap="none" spc="0" normalizeH="0" baseline="0">
             <a:ln>
               <a:noFill/>
             </a:ln>
@@ -5571,7 +5708,7 @@
           <a:buFontTx/>
           <a:buNone/>
           <a:tabLst/>
-          <a:defRPr b="0" baseline="0" cap="none" i="0" spc="0" strike="noStrike" sz="1800" u="none" kumimoji="0" normalizeH="0">
+          <a:defRPr kumimoji="0" sz="1800" b="0" i="0" u="none" strike="noStrike" cap="none" spc="0" normalizeH="0" baseline="0">
             <a:ln>
               <a:noFill/>
             </a:ln>
@@ -5584,9 +5721,15 @@
         </a:lvl9pPr>
       </a:lstStyle>
       <a:style>
-        <a:lnRef idx="0"/>
-        <a:fillRef idx="0"/>
-        <a:effectRef idx="0"/>
+        <a:lnRef idx="0">
+          <a:scrgbClr r="0" g="0" b="0"/>
+        </a:lnRef>
+        <a:fillRef idx="0">
+          <a:scrgbClr r="0" g="0" b="0"/>
+        </a:fillRef>
+        <a:effectRef idx="0">
+          <a:scrgbClr r="0" g="0" b="0"/>
+        </a:effectRef>
         <a:fontRef idx="none"/>
       </a:style>
     </a:spDef>
@@ -5603,7 +5746,7 @@
         <a:effectLst/>
         <a:sp3d/>
       </a:spPr>
-      <a:bodyPr rot="0" spcFirstLastPara="1" vertOverflow="overflow" horzOverflow="overflow" vert="horz" wrap="square" lIns="91439" tIns="45719" rIns="91439" bIns="45719" numCol="1" spcCol="38100" rtlCol="0" anchor="t" upright="0">
+      <a:bodyPr rot="0" spcFirstLastPara="1" vertOverflow="overflow" horzOverflow="overflow" vert="horz" wrap="square" lIns="91439" tIns="45719" rIns="91439" bIns="45719" numCol="1" spcCol="38100" rtlCol="0" anchor="t">
         <a:noAutofit/>
       </a:bodyPr>
       <a:lstStyle>
@@ -5622,7 +5765,7 @@
           <a:buFontTx/>
           <a:buNone/>
           <a:tabLst/>
-          <a:defRPr b="0" baseline="0" cap="none" i="0" spc="0" strike="noStrike" sz="1800" u="none" kumimoji="0" normalizeH="0">
+          <a:defRPr kumimoji="0" sz="1800" b="0" i="0" u="none" strike="noStrike" cap="none" spc="0" normalizeH="0" baseline="0">
             <a:ln>
               <a:noFill/>
             </a:ln>
@@ -5648,7 +5791,7 @@
           <a:buFontTx/>
           <a:buNone/>
           <a:tabLst/>
-          <a:defRPr b="0" baseline="0" cap="none" i="0" spc="0" strike="noStrike" sz="1800" u="none" kumimoji="0" normalizeH="0">
+          <a:defRPr kumimoji="0" sz="1800" b="0" i="0" u="none" strike="noStrike" cap="none" spc="0" normalizeH="0" baseline="0">
             <a:ln>
               <a:noFill/>
             </a:ln>
@@ -5674,7 +5817,7 @@
           <a:buFontTx/>
           <a:buNone/>
           <a:tabLst/>
-          <a:defRPr b="0" baseline="0" cap="none" i="0" spc="0" strike="noStrike" sz="1800" u="none" kumimoji="0" normalizeH="0">
+          <a:defRPr kumimoji="0" sz="1800" b="0" i="0" u="none" strike="noStrike" cap="none" spc="0" normalizeH="0" baseline="0">
             <a:ln>
               <a:noFill/>
             </a:ln>
@@ -5700,7 +5843,7 @@
           <a:buFontTx/>
           <a:buNone/>
           <a:tabLst/>
-          <a:defRPr b="0" baseline="0" cap="none" i="0" spc="0" strike="noStrike" sz="1800" u="none" kumimoji="0" normalizeH="0">
+          <a:defRPr kumimoji="0" sz="1800" b="0" i="0" u="none" strike="noStrike" cap="none" spc="0" normalizeH="0" baseline="0">
             <a:ln>
               <a:noFill/>
             </a:ln>
@@ -5726,7 +5869,7 @@
           <a:buFontTx/>
           <a:buNone/>
           <a:tabLst/>
-          <a:defRPr b="0" baseline="0" cap="none" i="0" spc="0" strike="noStrike" sz="1800" u="none" kumimoji="0" normalizeH="0">
+          <a:defRPr kumimoji="0" sz="1800" b="0" i="0" u="none" strike="noStrike" cap="none" spc="0" normalizeH="0" baseline="0">
             <a:ln>
               <a:noFill/>
             </a:ln>
@@ -5752,7 +5895,7 @@
           <a:buFontTx/>
           <a:buNone/>
           <a:tabLst/>
-          <a:defRPr b="0" baseline="0" cap="none" i="0" spc="0" strike="noStrike" sz="1800" u="none" kumimoji="0" normalizeH="0">
+          <a:defRPr kumimoji="0" sz="1800" b="0" i="0" u="none" strike="noStrike" cap="none" spc="0" normalizeH="0" baseline="0">
             <a:ln>
               <a:noFill/>
             </a:ln>
@@ -5778,7 +5921,7 @@
           <a:buFontTx/>
           <a:buNone/>
           <a:tabLst/>
-          <a:defRPr b="0" baseline="0" cap="none" i="0" spc="0" strike="noStrike" sz="1800" u="none" kumimoji="0" normalizeH="0">
+          <a:defRPr kumimoji="0" sz="1800" b="0" i="0" u="none" strike="noStrike" cap="none" spc="0" normalizeH="0" baseline="0">
             <a:ln>
               <a:noFill/>
             </a:ln>
@@ -5804,7 +5947,7 @@
           <a:buFontTx/>
           <a:buNone/>
           <a:tabLst/>
-          <a:defRPr b="0" baseline="0" cap="none" i="0" spc="0" strike="noStrike" sz="1800" u="none" kumimoji="0" normalizeH="0">
+          <a:defRPr kumimoji="0" sz="1800" b="0" i="0" u="none" strike="noStrike" cap="none" spc="0" normalizeH="0" baseline="0">
             <a:ln>
               <a:noFill/>
             </a:ln>
@@ -5830,7 +5973,7 @@
           <a:buFontTx/>
           <a:buNone/>
           <a:tabLst/>
-          <a:defRPr b="0" baseline="0" cap="none" i="0" spc="0" strike="noStrike" sz="1800" u="none" kumimoji="0" normalizeH="0">
+          <a:defRPr kumimoji="0" sz="1800" b="0" i="0" u="none" strike="noStrike" cap="none" spc="0" normalizeH="0" baseline="0">
             <a:ln>
               <a:noFill/>
             </a:ln>
@@ -5856,7 +5999,7 @@
           <a:buFontTx/>
           <a:buNone/>
           <a:tabLst/>
-          <a:defRPr b="0" baseline="0" cap="none" i="0" spc="0" strike="noStrike" sz="1800" u="none" kumimoji="0" normalizeH="0">
+          <a:defRPr kumimoji="0" sz="1800" b="0" i="0" u="none" strike="noStrike" cap="none" spc="0" normalizeH="0" baseline="0">
             <a:ln>
               <a:noFill/>
             </a:ln>
@@ -5869,9 +6012,15 @@
         </a:lvl9pPr>
       </a:lstStyle>
       <a:style>
-        <a:lnRef idx="0"/>
-        <a:fillRef idx="0"/>
-        <a:effectRef idx="0"/>
+        <a:lnRef idx="0">
+          <a:scrgbClr r="0" g="0" b="0"/>
+        </a:lnRef>
+        <a:fillRef idx="0">
+          <a:scrgbClr r="0" g="0" b="0"/>
+        </a:fillRef>
+        <a:effectRef idx="0">
+          <a:scrgbClr r="0" g="0" b="0"/>
+        </a:effectRef>
         <a:fontRef idx="none"/>
       </a:style>
     </a:lnDef>
@@ -5885,7 +6034,7 @@
         <a:effectLst/>
         <a:sp3d/>
       </a:spPr>
-      <a:bodyPr rot="0" spcFirstLastPara="1" vertOverflow="overflow" horzOverflow="overflow" vert="horz" wrap="square" lIns="45719" tIns="45719" rIns="45719" bIns="45719" numCol="1" spcCol="38100" rtlCol="0" anchor="t" upright="0">
+      <a:bodyPr rot="0" spcFirstLastPara="1" vertOverflow="overflow" horzOverflow="overflow" vert="horz" wrap="square" lIns="45719" tIns="45719" rIns="45719" bIns="45719" numCol="1" spcCol="38100" rtlCol="0" anchor="t">
         <a:spAutoFit/>
       </a:bodyPr>
       <a:lstStyle>
@@ -5904,7 +6053,7 @@
           <a:buFontTx/>
           <a:buNone/>
           <a:tabLst/>
-          <a:defRPr b="0" baseline="0" cap="none" i="0" spc="0" strike="noStrike" sz="1800" u="none" kumimoji="0" normalizeH="0">
+          <a:defRPr kumimoji="0" sz="1800" b="0" i="0" u="none" strike="noStrike" cap="none" spc="0" normalizeH="0" baseline="0">
             <a:ln>
               <a:noFill/>
             </a:ln>
@@ -5934,7 +6083,7 @@
           <a:buFontTx/>
           <a:buNone/>
           <a:tabLst/>
-          <a:defRPr b="0" baseline="0" cap="none" i="0" spc="0" strike="noStrike" sz="1800" u="none" kumimoji="0" normalizeH="0">
+          <a:defRPr kumimoji="0" sz="1800" b="0" i="0" u="none" strike="noStrike" cap="none" spc="0" normalizeH="0" baseline="0">
             <a:ln>
               <a:noFill/>
             </a:ln>
@@ -5960,7 +6109,7 @@
           <a:buFontTx/>
           <a:buNone/>
           <a:tabLst/>
-          <a:defRPr b="0" baseline="0" cap="none" i="0" spc="0" strike="noStrike" sz="1800" u="none" kumimoji="0" normalizeH="0">
+          <a:defRPr kumimoji="0" sz="1800" b="0" i="0" u="none" strike="noStrike" cap="none" spc="0" normalizeH="0" baseline="0">
             <a:ln>
               <a:noFill/>
             </a:ln>
@@ -5986,7 +6135,7 @@
           <a:buFontTx/>
           <a:buNone/>
           <a:tabLst/>
-          <a:defRPr b="0" baseline="0" cap="none" i="0" spc="0" strike="noStrike" sz="1800" u="none" kumimoji="0" normalizeH="0">
+          <a:defRPr kumimoji="0" sz="1800" b="0" i="0" u="none" strike="noStrike" cap="none" spc="0" normalizeH="0" baseline="0">
             <a:ln>
               <a:noFill/>
             </a:ln>
@@ -6012,7 +6161,7 @@
           <a:buFontTx/>
           <a:buNone/>
           <a:tabLst/>
-          <a:defRPr b="0" baseline="0" cap="none" i="0" spc="0" strike="noStrike" sz="1800" u="none" kumimoji="0" normalizeH="0">
+          <a:defRPr kumimoji="0" sz="1800" b="0" i="0" u="none" strike="noStrike" cap="none" spc="0" normalizeH="0" baseline="0">
             <a:ln>
               <a:noFill/>
             </a:ln>
@@ -6038,7 +6187,7 @@
           <a:buFontTx/>
           <a:buNone/>
           <a:tabLst/>
-          <a:defRPr b="0" baseline="0" cap="none" i="0" spc="0" strike="noStrike" sz="1800" u="none" kumimoji="0" normalizeH="0">
+          <a:defRPr kumimoji="0" sz="1800" b="0" i="0" u="none" strike="noStrike" cap="none" spc="0" normalizeH="0" baseline="0">
             <a:ln>
               <a:noFill/>
             </a:ln>
@@ -6064,7 +6213,7 @@
           <a:buFontTx/>
           <a:buNone/>
           <a:tabLst/>
-          <a:defRPr b="0" baseline="0" cap="none" i="0" spc="0" strike="noStrike" sz="1800" u="none" kumimoji="0" normalizeH="0">
+          <a:defRPr kumimoji="0" sz="1800" b="0" i="0" u="none" strike="noStrike" cap="none" spc="0" normalizeH="0" baseline="0">
             <a:ln>
               <a:noFill/>
             </a:ln>
@@ -6090,7 +6239,7 @@
           <a:buFontTx/>
           <a:buNone/>
           <a:tabLst/>
-          <a:defRPr b="0" baseline="0" cap="none" i="0" spc="0" strike="noStrike" sz="1800" u="none" kumimoji="0" normalizeH="0">
+          <a:defRPr kumimoji="0" sz="1800" b="0" i="0" u="none" strike="noStrike" cap="none" spc="0" normalizeH="0" baseline="0">
             <a:ln>
               <a:noFill/>
             </a:ln>
@@ -6116,7 +6265,7 @@
           <a:buFontTx/>
           <a:buNone/>
           <a:tabLst/>
-          <a:defRPr b="0" baseline="0" cap="none" i="0" spc="0" strike="noStrike" sz="1800" u="none" kumimoji="0" normalizeH="0">
+          <a:defRPr kumimoji="0" sz="1800" b="0" i="0" u="none" strike="noStrike" cap="none" spc="0" normalizeH="0" baseline="0">
             <a:ln>
               <a:noFill/>
             </a:ln>
@@ -6142,7 +6291,7 @@
           <a:buFontTx/>
           <a:buNone/>
           <a:tabLst/>
-          <a:defRPr b="0" baseline="0" cap="none" i="0" spc="0" strike="noStrike" sz="1800" u="none" kumimoji="0" normalizeH="0">
+          <a:defRPr kumimoji="0" sz="1800" b="0" i="0" u="none" strike="noStrike" cap="none" spc="0" normalizeH="0" baseline="0">
             <a:ln>
               <a:noFill/>
             </a:ln>
@@ -6155,18 +6304,25 @@
         </a:lvl9pPr>
       </a:lstStyle>
       <a:style>
-        <a:lnRef idx="0"/>
-        <a:fillRef idx="0"/>
-        <a:effectRef idx="0"/>
+        <a:lnRef idx="0">
+          <a:scrgbClr r="0" g="0" b="0"/>
+        </a:lnRef>
+        <a:fillRef idx="0">
+          <a:scrgbClr r="0" g="0" b="0"/>
+        </a:fillRef>
+        <a:effectRef idx="0">
+          <a:scrgbClr r="0" g="0" b="0"/>
+        </a:effectRef>
         <a:fontRef idx="none"/>
       </a:style>
     </a:txDef>
   </a:objectDefaults>
+  <a:extraClrSchemeLst/>
 </a:theme>
 </file>
 
 <file path=ppt/theme/theme2.xml><?xml version="1.0" encoding="utf-8"?>
-<a:theme xmlns:a="http://schemas.openxmlformats.org/drawingml/2006/main" xmlns:r="http://schemas.openxmlformats.org/officeDocument/2006/relationships" name="Perception">
+<a:theme xmlns:a="http://schemas.openxmlformats.org/drawingml/2006/main" name="Perception">
   <a:themeElements>
     <a:clrScheme name="Perception">
       <a:dk1>
@@ -6368,7 +6524,7 @@
         <a:effectLst/>
         <a:sp3d/>
       </a:spPr>
-      <a:bodyPr rot="0" spcFirstLastPara="1" vertOverflow="overflow" horzOverflow="overflow" vert="horz" wrap="square" lIns="45719" tIns="45719" rIns="45719" bIns="45719" numCol="1" spcCol="38100" rtlCol="0" anchor="ctr" upright="0">
+      <a:bodyPr rot="0" spcFirstLastPara="1" vertOverflow="overflow" horzOverflow="overflow" vert="horz" wrap="square" lIns="45719" tIns="45719" rIns="45719" bIns="45719" numCol="1" spcCol="38100" rtlCol="0" anchor="ctr">
         <a:spAutoFit/>
       </a:bodyPr>
       <a:lstStyle>
@@ -6387,7 +6543,7 @@
           <a:buFontTx/>
           <a:buNone/>
           <a:tabLst/>
-          <a:defRPr b="0" baseline="0" cap="none" i="0" spc="0" strike="noStrike" sz="1800" u="none" kumimoji="0" normalizeH="0">
+          <a:defRPr kumimoji="0" sz="1800" b="0" i="0" u="none" strike="noStrike" cap="none" spc="0" normalizeH="0" baseline="0">
             <a:ln>
               <a:noFill/>
             </a:ln>
@@ -6417,7 +6573,7 @@
           <a:buFontTx/>
           <a:buNone/>
           <a:tabLst/>
-          <a:defRPr b="0" baseline="0" cap="none" i="0" spc="0" strike="noStrike" sz="1800" u="none" kumimoji="0" normalizeH="0">
+          <a:defRPr kumimoji="0" sz="1800" b="0" i="0" u="none" strike="noStrike" cap="none" spc="0" normalizeH="0" baseline="0">
             <a:ln>
               <a:noFill/>
             </a:ln>
@@ -6443,7 +6599,7 @@
           <a:buFontTx/>
           <a:buNone/>
           <a:tabLst/>
-          <a:defRPr b="0" baseline="0" cap="none" i="0" spc="0" strike="noStrike" sz="1800" u="none" kumimoji="0" normalizeH="0">
+          <a:defRPr kumimoji="0" sz="1800" b="0" i="0" u="none" strike="noStrike" cap="none" spc="0" normalizeH="0" baseline="0">
             <a:ln>
               <a:noFill/>
             </a:ln>
@@ -6469,7 +6625,7 @@
           <a:buFontTx/>
           <a:buNone/>
           <a:tabLst/>
-          <a:defRPr b="0" baseline="0" cap="none" i="0" spc="0" strike="noStrike" sz="1800" u="none" kumimoji="0" normalizeH="0">
+          <a:defRPr kumimoji="0" sz="1800" b="0" i="0" u="none" strike="noStrike" cap="none" spc="0" normalizeH="0" baseline="0">
             <a:ln>
               <a:noFill/>
             </a:ln>
@@ -6495,7 +6651,7 @@
           <a:buFontTx/>
           <a:buNone/>
           <a:tabLst/>
-          <a:defRPr b="0" baseline="0" cap="none" i="0" spc="0" strike="noStrike" sz="1800" u="none" kumimoji="0" normalizeH="0">
+          <a:defRPr kumimoji="0" sz="1800" b="0" i="0" u="none" strike="noStrike" cap="none" spc="0" normalizeH="0" baseline="0">
             <a:ln>
               <a:noFill/>
             </a:ln>
@@ -6521,7 +6677,7 @@
           <a:buFontTx/>
           <a:buNone/>
           <a:tabLst/>
-          <a:defRPr b="0" baseline="0" cap="none" i="0" spc="0" strike="noStrike" sz="1800" u="none" kumimoji="0" normalizeH="0">
+          <a:defRPr kumimoji="0" sz="1800" b="0" i="0" u="none" strike="noStrike" cap="none" spc="0" normalizeH="0" baseline="0">
             <a:ln>
               <a:noFill/>
             </a:ln>
@@ -6547,7 +6703,7 @@
           <a:buFontTx/>
           <a:buNone/>
           <a:tabLst/>
-          <a:defRPr b="0" baseline="0" cap="none" i="0" spc="0" strike="noStrike" sz="1800" u="none" kumimoji="0" normalizeH="0">
+          <a:defRPr kumimoji="0" sz="1800" b="0" i="0" u="none" strike="noStrike" cap="none" spc="0" normalizeH="0" baseline="0">
             <a:ln>
               <a:noFill/>
             </a:ln>
@@ -6573,7 +6729,7 @@
           <a:buFontTx/>
           <a:buNone/>
           <a:tabLst/>
-          <a:defRPr b="0" baseline="0" cap="none" i="0" spc="0" strike="noStrike" sz="1800" u="none" kumimoji="0" normalizeH="0">
+          <a:defRPr kumimoji="0" sz="1800" b="0" i="0" u="none" strike="noStrike" cap="none" spc="0" normalizeH="0" baseline="0">
             <a:ln>
               <a:noFill/>
             </a:ln>
@@ -6599,7 +6755,7 @@
           <a:buFontTx/>
           <a:buNone/>
           <a:tabLst/>
-          <a:defRPr b="0" baseline="0" cap="none" i="0" spc="0" strike="noStrike" sz="1800" u="none" kumimoji="0" normalizeH="0">
+          <a:defRPr kumimoji="0" sz="1800" b="0" i="0" u="none" strike="noStrike" cap="none" spc="0" normalizeH="0" baseline="0">
             <a:ln>
               <a:noFill/>
             </a:ln>
@@ -6625,7 +6781,7 @@
           <a:buFontTx/>
           <a:buNone/>
           <a:tabLst/>
-          <a:defRPr b="0" baseline="0" cap="none" i="0" spc="0" strike="noStrike" sz="1800" u="none" kumimoji="0" normalizeH="0">
+          <a:defRPr kumimoji="0" sz="1800" b="0" i="0" u="none" strike="noStrike" cap="none" spc="0" normalizeH="0" baseline="0">
             <a:ln>
               <a:noFill/>
             </a:ln>
@@ -6638,9 +6794,15 @@
         </a:lvl9pPr>
       </a:lstStyle>
       <a:style>
-        <a:lnRef idx="0"/>
-        <a:fillRef idx="0"/>
-        <a:effectRef idx="0"/>
+        <a:lnRef idx="0">
+          <a:scrgbClr r="0" g="0" b="0"/>
+        </a:lnRef>
+        <a:fillRef idx="0">
+          <a:scrgbClr r="0" g="0" b="0"/>
+        </a:fillRef>
+        <a:effectRef idx="0">
+          <a:scrgbClr r="0" g="0" b="0"/>
+        </a:effectRef>
         <a:fontRef idx="none"/>
       </a:style>
     </a:spDef>
@@ -6657,7 +6819,7 @@
         <a:effectLst/>
         <a:sp3d/>
       </a:spPr>
-      <a:bodyPr rot="0" spcFirstLastPara="1" vertOverflow="overflow" horzOverflow="overflow" vert="horz" wrap="square" lIns="91439" tIns="45719" rIns="91439" bIns="45719" numCol="1" spcCol="38100" rtlCol="0" anchor="t" upright="0">
+      <a:bodyPr rot="0" spcFirstLastPara="1" vertOverflow="overflow" horzOverflow="overflow" vert="horz" wrap="square" lIns="91439" tIns="45719" rIns="91439" bIns="45719" numCol="1" spcCol="38100" rtlCol="0" anchor="t">
         <a:noAutofit/>
       </a:bodyPr>
       <a:lstStyle>
@@ -6676,7 +6838,7 @@
           <a:buFontTx/>
           <a:buNone/>
           <a:tabLst/>
-          <a:defRPr b="0" baseline="0" cap="none" i="0" spc="0" strike="noStrike" sz="1800" u="none" kumimoji="0" normalizeH="0">
+          <a:defRPr kumimoji="0" sz="1800" b="0" i="0" u="none" strike="noStrike" cap="none" spc="0" normalizeH="0" baseline="0">
             <a:ln>
               <a:noFill/>
             </a:ln>
@@ -6702,7 +6864,7 @@
           <a:buFontTx/>
           <a:buNone/>
           <a:tabLst/>
-          <a:defRPr b="0" baseline="0" cap="none" i="0" spc="0" strike="noStrike" sz="1800" u="none" kumimoji="0" normalizeH="0">
+          <a:defRPr kumimoji="0" sz="1800" b="0" i="0" u="none" strike="noStrike" cap="none" spc="0" normalizeH="0" baseline="0">
             <a:ln>
               <a:noFill/>
             </a:ln>
@@ -6728,7 +6890,7 @@
           <a:buFontTx/>
           <a:buNone/>
           <a:tabLst/>
-          <a:defRPr b="0" baseline="0" cap="none" i="0" spc="0" strike="noStrike" sz="1800" u="none" kumimoji="0" normalizeH="0">
+          <a:defRPr kumimoji="0" sz="1800" b="0" i="0" u="none" strike="noStrike" cap="none" spc="0" normalizeH="0" baseline="0">
             <a:ln>
               <a:noFill/>
             </a:ln>
@@ -6754,7 +6916,7 @@
           <a:buFontTx/>
           <a:buNone/>
           <a:tabLst/>
-          <a:defRPr b="0" baseline="0" cap="none" i="0" spc="0" strike="noStrike" sz="1800" u="none" kumimoji="0" normalizeH="0">
+          <a:defRPr kumimoji="0" sz="1800" b="0" i="0" u="none" strike="noStrike" cap="none" spc="0" normalizeH="0" baseline="0">
             <a:ln>
               <a:noFill/>
             </a:ln>
@@ -6780,7 +6942,7 @@
           <a:buFontTx/>
           <a:buNone/>
           <a:tabLst/>
-          <a:defRPr b="0" baseline="0" cap="none" i="0" spc="0" strike="noStrike" sz="1800" u="none" kumimoji="0" normalizeH="0">
+          <a:defRPr kumimoji="0" sz="1800" b="0" i="0" u="none" strike="noStrike" cap="none" spc="0" normalizeH="0" baseline="0">
             <a:ln>
               <a:noFill/>
             </a:ln>
@@ -6806,7 +6968,7 @@
           <a:buFontTx/>
           <a:buNone/>
           <a:tabLst/>
-          <a:defRPr b="0" baseline="0" cap="none" i="0" spc="0" strike="noStrike" sz="1800" u="none" kumimoji="0" normalizeH="0">
+          <a:defRPr kumimoji="0" sz="1800" b="0" i="0" u="none" strike="noStrike" cap="none" spc="0" normalizeH="0" baseline="0">
             <a:ln>
               <a:noFill/>
             </a:ln>
@@ -6832,7 +6994,7 @@
           <a:buFontTx/>
           <a:buNone/>
           <a:tabLst/>
-          <a:defRPr b="0" baseline="0" cap="none" i="0" spc="0" strike="noStrike" sz="1800" u="none" kumimoji="0" normalizeH="0">
+          <a:defRPr kumimoji="0" sz="1800" b="0" i="0" u="none" strike="noStrike" cap="none" spc="0" normalizeH="0" baseline="0">
             <a:ln>
               <a:noFill/>
             </a:ln>
@@ -6858,7 +7020,7 @@
           <a:buFontTx/>
           <a:buNone/>
           <a:tabLst/>
-          <a:defRPr b="0" baseline="0" cap="none" i="0" spc="0" strike="noStrike" sz="1800" u="none" kumimoji="0" normalizeH="0">
+          <a:defRPr kumimoji="0" sz="1800" b="0" i="0" u="none" strike="noStrike" cap="none" spc="0" normalizeH="0" baseline="0">
             <a:ln>
               <a:noFill/>
             </a:ln>
@@ -6884,7 +7046,7 @@
           <a:buFontTx/>
           <a:buNone/>
           <a:tabLst/>
-          <a:defRPr b="0" baseline="0" cap="none" i="0" spc="0" strike="noStrike" sz="1800" u="none" kumimoji="0" normalizeH="0">
+          <a:defRPr kumimoji="0" sz="1800" b="0" i="0" u="none" strike="noStrike" cap="none" spc="0" normalizeH="0" baseline="0">
             <a:ln>
               <a:noFill/>
             </a:ln>
@@ -6910,7 +7072,7 @@
           <a:buFontTx/>
           <a:buNone/>
           <a:tabLst/>
-          <a:defRPr b="0" baseline="0" cap="none" i="0" spc="0" strike="noStrike" sz="1800" u="none" kumimoji="0" normalizeH="0">
+          <a:defRPr kumimoji="0" sz="1800" b="0" i="0" u="none" strike="noStrike" cap="none" spc="0" normalizeH="0" baseline="0">
             <a:ln>
               <a:noFill/>
             </a:ln>
@@ -6923,9 +7085,15 @@
         </a:lvl9pPr>
       </a:lstStyle>
       <a:style>
-        <a:lnRef idx="0"/>
-        <a:fillRef idx="0"/>
-        <a:effectRef idx="0"/>
+        <a:lnRef idx="0">
+          <a:scrgbClr r="0" g="0" b="0"/>
+        </a:lnRef>
+        <a:fillRef idx="0">
+          <a:scrgbClr r="0" g="0" b="0"/>
+        </a:fillRef>
+        <a:effectRef idx="0">
+          <a:scrgbClr r="0" g="0" b="0"/>
+        </a:effectRef>
         <a:fontRef idx="none"/>
       </a:style>
     </a:lnDef>
@@ -6939,7 +7107,7 @@
         <a:effectLst/>
         <a:sp3d/>
       </a:spPr>
-      <a:bodyPr rot="0" spcFirstLastPara="1" vertOverflow="overflow" horzOverflow="overflow" vert="horz" wrap="square" lIns="45719" tIns="45719" rIns="45719" bIns="45719" numCol="1" spcCol="38100" rtlCol="0" anchor="t" upright="0">
+      <a:bodyPr rot="0" spcFirstLastPara="1" vertOverflow="overflow" horzOverflow="overflow" vert="horz" wrap="square" lIns="45719" tIns="45719" rIns="45719" bIns="45719" numCol="1" spcCol="38100" rtlCol="0" anchor="t">
         <a:spAutoFit/>
       </a:bodyPr>
       <a:lstStyle>
@@ -6958,7 +7126,7 @@
           <a:buFontTx/>
           <a:buNone/>
           <a:tabLst/>
-          <a:defRPr b="0" baseline="0" cap="none" i="0" spc="0" strike="noStrike" sz="1800" u="none" kumimoji="0" normalizeH="0">
+          <a:defRPr kumimoji="0" sz="1800" b="0" i="0" u="none" strike="noStrike" cap="none" spc="0" normalizeH="0" baseline="0">
             <a:ln>
               <a:noFill/>
             </a:ln>
@@ -6988,7 +7156,7 @@
           <a:buFontTx/>
           <a:buNone/>
           <a:tabLst/>
-          <a:defRPr b="0" baseline="0" cap="none" i="0" spc="0" strike="noStrike" sz="1800" u="none" kumimoji="0" normalizeH="0">
+          <a:defRPr kumimoji="0" sz="1800" b="0" i="0" u="none" strike="noStrike" cap="none" spc="0" normalizeH="0" baseline="0">
             <a:ln>
               <a:noFill/>
             </a:ln>
@@ -7014,7 +7182,7 @@
           <a:buFontTx/>
           <a:buNone/>
           <a:tabLst/>
-          <a:defRPr b="0" baseline="0" cap="none" i="0" spc="0" strike="noStrike" sz="1800" u="none" kumimoji="0" normalizeH="0">
+          <a:defRPr kumimoji="0" sz="1800" b="0" i="0" u="none" strike="noStrike" cap="none" spc="0" normalizeH="0" baseline="0">
             <a:ln>
               <a:noFill/>
             </a:ln>
@@ -7040,7 +7208,7 @@
           <a:buFontTx/>
           <a:buNone/>
           <a:tabLst/>
-          <a:defRPr b="0" baseline="0" cap="none" i="0" spc="0" strike="noStrike" sz="1800" u="none" kumimoji="0" normalizeH="0">
+          <a:defRPr kumimoji="0" sz="1800" b="0" i="0" u="none" strike="noStrike" cap="none" spc="0" normalizeH="0" baseline="0">
             <a:ln>
               <a:noFill/>
             </a:ln>
@@ -7066,7 +7234,7 @@
           <a:buFontTx/>
           <a:buNone/>
           <a:tabLst/>
-          <a:defRPr b="0" baseline="0" cap="none" i="0" spc="0" strike="noStrike" sz="1800" u="none" kumimoji="0" normalizeH="0">
+          <a:defRPr kumimoji="0" sz="1800" b="0" i="0" u="none" strike="noStrike" cap="none" spc="0" normalizeH="0" baseline="0">
             <a:ln>
               <a:noFill/>
             </a:ln>
@@ -7092,7 +7260,7 @@
           <a:buFontTx/>
           <a:buNone/>
           <a:tabLst/>
-          <a:defRPr b="0" baseline="0" cap="none" i="0" spc="0" strike="noStrike" sz="1800" u="none" kumimoji="0" normalizeH="0">
+          <a:defRPr kumimoji="0" sz="1800" b="0" i="0" u="none" strike="noStrike" cap="none" spc="0" normalizeH="0" baseline="0">
             <a:ln>
               <a:noFill/>
             </a:ln>
@@ -7118,7 +7286,7 @@
           <a:buFontTx/>
           <a:buNone/>
           <a:tabLst/>
-          <a:defRPr b="0" baseline="0" cap="none" i="0" spc="0" strike="noStrike" sz="1800" u="none" kumimoji="0" normalizeH="0">
+          <a:defRPr kumimoji="0" sz="1800" b="0" i="0" u="none" strike="noStrike" cap="none" spc="0" normalizeH="0" baseline="0">
             <a:ln>
               <a:noFill/>
             </a:ln>
@@ -7144,7 +7312,7 @@
           <a:buFontTx/>
           <a:buNone/>
           <a:tabLst/>
-          <a:defRPr b="0" baseline="0" cap="none" i="0" spc="0" strike="noStrike" sz="1800" u="none" kumimoji="0" normalizeH="0">
+          <a:defRPr kumimoji="0" sz="1800" b="0" i="0" u="none" strike="noStrike" cap="none" spc="0" normalizeH="0" baseline="0">
             <a:ln>
               <a:noFill/>
             </a:ln>
@@ -7170,7 +7338,7 @@
           <a:buFontTx/>
           <a:buNone/>
           <a:tabLst/>
-          <a:defRPr b="0" baseline="0" cap="none" i="0" spc="0" strike="noStrike" sz="1800" u="none" kumimoji="0" normalizeH="0">
+          <a:defRPr kumimoji="0" sz="1800" b="0" i="0" u="none" strike="noStrike" cap="none" spc="0" normalizeH="0" baseline="0">
             <a:ln>
               <a:noFill/>
             </a:ln>
@@ -7196,7 +7364,7 @@
           <a:buFontTx/>
           <a:buNone/>
           <a:tabLst/>
-          <a:defRPr b="0" baseline="0" cap="none" i="0" spc="0" strike="noStrike" sz="1800" u="none" kumimoji="0" normalizeH="0">
+          <a:defRPr kumimoji="0" sz="1800" b="0" i="0" u="none" strike="noStrike" cap="none" spc="0" normalizeH="0" baseline="0">
             <a:ln>
               <a:noFill/>
             </a:ln>
@@ -7209,12 +7377,19 @@
         </a:lvl9pPr>
       </a:lstStyle>
       <a:style>
-        <a:lnRef idx="0"/>
-        <a:fillRef idx="0"/>
-        <a:effectRef idx="0"/>
+        <a:lnRef idx="0">
+          <a:scrgbClr r="0" g="0" b="0"/>
+        </a:lnRef>
+        <a:fillRef idx="0">
+          <a:scrgbClr r="0" g="0" b="0"/>
+        </a:fillRef>
+        <a:effectRef idx="0">
+          <a:scrgbClr r="0" g="0" b="0"/>
+        </a:effectRef>
         <a:fontRef idx="none"/>
       </a:style>
     </a:txDef>
   </a:objectDefaults>
+  <a:extraClrSchemeLst/>
 </a:theme>
 </file>
--- a/week_3/hw/HW3_Eng.pptx
+++ b/week_3/hw/HW3_Eng.pptx
@@ -4451,11 +4451,13 @@
           <a:lstStyle/>
           <a:p>
             <a:r>
+              <a:rPr dirty="0"/>
               <a:t>Writing a program that can send HTTP Request to URL, and show the number of appearance of the key word within that web </a:t>
             </a:r>
           </a:p>
           <a:p>
             <a:r>
+              <a:rPr dirty="0"/>
               <a:t>Case insensitive</a:t>
             </a:r>
           </a:p>
@@ -4468,10 +4470,11 @@
               </a:defRPr>
             </a:pPr>
             <a:r>
+              <a:rPr dirty="0"/>
               <a:t>Bonus</a:t>
             </a:r>
             <a:r>
-              <a:rPr>
+              <a:rPr dirty="0">
                 <a:solidFill>
                   <a:srgbClr val="595959"/>
                 </a:solidFill>
@@ -5052,7 +5055,7 @@
         </p:nvSpPr>
         <p:spPr>
           <a:xfrm>
-            <a:off x="831272" y="3381793"/>
+            <a:off x="895782" y="3400279"/>
             <a:ext cx="7481456" cy="615130"/>
           </a:xfrm>
           <a:prstGeom prst="rect">
@@ -5088,6 +5091,7 @@
               </a:defRPr>
             </a:pPr>
             <a:r>
+              <a:rPr dirty="0"/>
               <a:t>Input your URL :</a:t>
             </a:r>
           </a:p>
@@ -5104,7 +5108,7 @@
               </a:defRPr>
             </a:pPr>
             <a:r>
-              <a:rPr u="sng">
+              <a:rPr u="sng" dirty="0">
                 <a:solidFill>
                   <a:srgbClr val="8DA440"/>
                 </a:solidFill>
@@ -5165,11 +5169,12 @@
           </a:lstStyle>
           <a:p>
             <a:r>
+              <a:rPr dirty="0"/>
               <a:t>2</a:t>
             </a:r>
             <a:r>
-              <a:rPr lang="en-US" altLang="zh-TW"/>
-              <a:t>6</a:t>
+              <a:rPr lang="en-US" altLang="zh-TW" dirty="0"/>
+              <a:t>5</a:t>
             </a:r>
           </a:p>
         </p:txBody>
